--- a/Git and Github.pptx
+++ b/Git and Github.pptx
@@ -6,18 +6,29 @@
   </p:sldMasterIdLst>
   <p:sldIdLst>
     <p:sldId id="256" r:id="rId2"/>
-    <p:sldId id="257" r:id="rId3"/>
-    <p:sldId id="258" r:id="rId4"/>
-    <p:sldId id="259" r:id="rId5"/>
-    <p:sldId id="260" r:id="rId6"/>
-    <p:sldId id="261" r:id="rId7"/>
-    <p:sldId id="262" r:id="rId8"/>
-    <p:sldId id="263" r:id="rId9"/>
-    <p:sldId id="264" r:id="rId10"/>
-    <p:sldId id="265" r:id="rId11"/>
-    <p:sldId id="266" r:id="rId12"/>
-    <p:sldId id="267" r:id="rId13"/>
-    <p:sldId id="268" r:id="rId14"/>
+    <p:sldId id="269" r:id="rId3"/>
+    <p:sldId id="257" r:id="rId4"/>
+    <p:sldId id="258" r:id="rId5"/>
+    <p:sldId id="259" r:id="rId6"/>
+    <p:sldId id="260" r:id="rId7"/>
+    <p:sldId id="261" r:id="rId8"/>
+    <p:sldId id="262" r:id="rId9"/>
+    <p:sldId id="263" r:id="rId10"/>
+    <p:sldId id="264" r:id="rId11"/>
+    <p:sldId id="265" r:id="rId12"/>
+    <p:sldId id="266" r:id="rId13"/>
+    <p:sldId id="267" r:id="rId14"/>
+    <p:sldId id="268" r:id="rId15"/>
+    <p:sldId id="270" r:id="rId16"/>
+    <p:sldId id="271" r:id="rId17"/>
+    <p:sldId id="272" r:id="rId18"/>
+    <p:sldId id="273" r:id="rId19"/>
+    <p:sldId id="274" r:id="rId20"/>
+    <p:sldId id="275" r:id="rId21"/>
+    <p:sldId id="276" r:id="rId22"/>
+    <p:sldId id="277" r:id="rId23"/>
+    <p:sldId id="278" r:id="rId24"/>
+    <p:sldId id="279" r:id="rId25"/>
   </p:sldIdLst>
   <p:sldSz cx="12192000" cy="6858000"/>
   <p:notesSz cx="6858000" cy="9144000"/>
@@ -116,6 +127,11 @@
       </a:defRPr>
     </a:lvl9pPr>
   </p:defaultTextStyle>
+  <p:extLst>
+    <p:ext uri="{EFAFB233-063F-42B5-8137-9DF3F51BA10A}">
+      <p15:sldGuideLst xmlns:p15="http://schemas.microsoft.com/office/powerpoint/2012/main"/>
+    </p:ext>
+  </p:extLst>
 </p:presentation>
 </file>
 
@@ -3401,7 +3417,7 @@
           <p:cNvPr id="2" name="Title 1">
             <a:extLst>
               <a:ext uri="{FF2B5EF4-FFF2-40B4-BE49-F238E27FC236}">
-                <a16:creationId xmlns:a16="http://schemas.microsoft.com/office/drawing/2014/main" id="{A8121570-CD02-BE49-2857-094D6840A61F}"/>
+                <a16:creationId xmlns:a16="http://schemas.microsoft.com/office/drawing/2014/main" id="{D0CD1EF3-9B58-0F00-EC48-22CC23190A4A}"/>
               </a:ext>
             </a:extLst>
           </p:cNvPr>
@@ -3419,7 +3435,7 @@
           <a:p>
             <a:r>
               <a:rPr lang="en-US" dirty="0"/>
-              <a:t>GitHub</a:t>
+              <a:t>Repo-pushing</a:t>
             </a:r>
           </a:p>
         </p:txBody>
@@ -3429,7 +3445,7 @@
           <p:cNvPr id="3" name="Content Placeholder 2">
             <a:extLst>
               <a:ext uri="{FF2B5EF4-FFF2-40B4-BE49-F238E27FC236}">
-                <a16:creationId xmlns:a16="http://schemas.microsoft.com/office/drawing/2014/main" id="{8EB53290-19C3-DAC0-0D80-ACF9A52A698E}"/>
+                <a16:creationId xmlns:a16="http://schemas.microsoft.com/office/drawing/2014/main" id="{87F3E619-E863-DBB6-72F9-36D7D9DA50E6}"/>
               </a:ext>
             </a:extLst>
           </p:cNvPr>
@@ -3446,35 +3462,8 @@
           <a:lstStyle/>
           <a:p>
             <a:r>
-              <a:rPr lang="en-US" dirty="0">
-                <a:hlinkClick r:id="rId2"/>
-              </a:rPr>
-              <a:t>www.github.com</a:t>
-            </a:r>
-            <a:endParaRPr lang="en-US" dirty="0"/>
-          </a:p>
-          <a:p>
-            <a:r>
-              <a:rPr lang="en-US" dirty="0"/>
-              <a:t>A web based hosting service for version control using git.</a:t>
-            </a:r>
-          </a:p>
-          <a:p>
-            <a:r>
-              <a:rPr lang="en-US" dirty="0"/>
-              <a:t>Allows for code collaboration with anyone online</a:t>
-            </a:r>
-          </a:p>
-          <a:p>
-            <a:r>
-              <a:rPr lang="en-US" dirty="0"/>
-              <a:t>Founded in 2008</a:t>
-            </a:r>
-          </a:p>
-          <a:p>
-            <a:r>
-              <a:rPr lang="en-US" dirty="0"/>
-              <a:t>Free for students.</a:t>
+              <a:rPr lang="en-US" dirty="0"/>
+              <a:t>The process of adding our local changes to the remote repository is called pushing.</a:t>
             </a:r>
           </a:p>
         </p:txBody>
@@ -3482,7 +3471,7 @@
     </p:spTree>
     <p:extLst>
       <p:ext uri="{BB962C8B-B14F-4D97-AF65-F5344CB8AC3E}">
-        <p14:creationId xmlns:p14="http://schemas.microsoft.com/office/powerpoint/2010/main" val="1188075972"/>
+        <p14:creationId xmlns:p14="http://schemas.microsoft.com/office/powerpoint/2010/main" val="925931753"/>
       </p:ext>
     </p:extLst>
   </p:cSld>
@@ -3514,7 +3503,7 @@
           <p:cNvPr id="2" name="Title 1">
             <a:extLst>
               <a:ext uri="{FF2B5EF4-FFF2-40B4-BE49-F238E27FC236}">
-                <a16:creationId xmlns:a16="http://schemas.microsoft.com/office/drawing/2014/main" id="{AC9EC1EF-0BC0-3CC4-44F8-D64D9B4BD191}"/>
+                <a16:creationId xmlns:a16="http://schemas.microsoft.com/office/drawing/2014/main" id="{A8121570-CD02-BE49-2857-094D6840A61F}"/>
               </a:ext>
             </a:extLst>
           </p:cNvPr>
@@ -3531,10 +3520,9 @@
           <a:lstStyle/>
           <a:p>
             <a:r>
-              <a:rPr lang="en-US" dirty="0" err="1"/>
-              <a:t>BitBucket</a:t>
-            </a:r>
-            <a:endParaRPr lang="en-US" dirty="0"/>
+              <a:rPr lang="en-US" dirty="0"/>
+              <a:t>GitHub</a:t>
+            </a:r>
           </a:p>
         </p:txBody>
       </p:sp>
@@ -3543,7 +3531,7 @@
           <p:cNvPr id="3" name="Content Placeholder 2">
             <a:extLst>
               <a:ext uri="{FF2B5EF4-FFF2-40B4-BE49-F238E27FC236}">
-                <a16:creationId xmlns:a16="http://schemas.microsoft.com/office/drawing/2014/main" id="{75271D0F-4086-DFBC-B66B-CF0D7EEF4967}"/>
+                <a16:creationId xmlns:a16="http://schemas.microsoft.com/office/drawing/2014/main" id="{8EB53290-19C3-DAC0-0D80-ACF9A52A698E}"/>
               </a:ext>
             </a:extLst>
           </p:cNvPr>
@@ -3563,28 +3551,32 @@
               <a:rPr lang="en-US" dirty="0">
                 <a:hlinkClick r:id="rId2"/>
               </a:rPr>
-              <a:t>www.bitbucket.org</a:t>
+              <a:t>www.github.com</a:t>
             </a:r>
             <a:endParaRPr lang="en-US" dirty="0"/>
           </a:p>
           <a:p>
             <a:r>
               <a:rPr lang="en-US" dirty="0"/>
-              <a:t>Founded in 2010</a:t>
-            </a:r>
-          </a:p>
-          <a:p>
-            <a:r>
-              <a:rPr lang="en-US" dirty="0"/>
-              <a:t>Free for </a:t>
-            </a:r>
-            <a:r>
-              <a:rPr lang="en-US" dirty="0" err="1"/>
-              <a:t>upto</a:t>
-            </a:r>
-            <a:r>
-              <a:rPr lang="en-US" dirty="0"/>
-              <a:t> 5 users</a:t>
+              <a:t>A web based hosting service for version control using git.</a:t>
+            </a:r>
+          </a:p>
+          <a:p>
+            <a:r>
+              <a:rPr lang="en-US" dirty="0"/>
+              <a:t>Allows for code collaboration with anyone online</a:t>
+            </a:r>
+          </a:p>
+          <a:p>
+            <a:r>
+              <a:rPr lang="en-US" dirty="0"/>
+              <a:t>Founded in 2008</a:t>
+            </a:r>
+          </a:p>
+          <a:p>
+            <a:r>
+              <a:rPr lang="en-US" dirty="0"/>
+              <a:t>Free for students.</a:t>
             </a:r>
           </a:p>
         </p:txBody>
@@ -3592,7 +3584,7 @@
     </p:spTree>
     <p:extLst>
       <p:ext uri="{BB962C8B-B14F-4D97-AF65-F5344CB8AC3E}">
-        <p14:creationId xmlns:p14="http://schemas.microsoft.com/office/powerpoint/2010/main" val="3609379688"/>
+        <p14:creationId xmlns:p14="http://schemas.microsoft.com/office/powerpoint/2010/main" val="1188075972"/>
       </p:ext>
     </p:extLst>
   </p:cSld>
@@ -3624,7 +3616,7 @@
           <p:cNvPr id="2" name="Title 1">
             <a:extLst>
               <a:ext uri="{FF2B5EF4-FFF2-40B4-BE49-F238E27FC236}">
-                <a16:creationId xmlns:a16="http://schemas.microsoft.com/office/drawing/2014/main" id="{9380754A-069C-97F9-BE5F-B23FB77A1D13}"/>
+                <a16:creationId xmlns:a16="http://schemas.microsoft.com/office/drawing/2014/main" id="{AC9EC1EF-0BC0-3CC4-44F8-D64D9B4BD191}"/>
               </a:ext>
             </a:extLst>
           </p:cNvPr>
@@ -3641,9 +3633,10 @@
           <a:lstStyle/>
           <a:p>
             <a:r>
-              <a:rPr lang="en-US" dirty="0"/>
-              <a:t>Install Git</a:t>
-            </a:r>
+              <a:rPr lang="en-US" dirty="0" err="1"/>
+              <a:t>BitBucket</a:t>
+            </a:r>
+            <a:endParaRPr lang="en-US" dirty="0"/>
           </a:p>
         </p:txBody>
       </p:sp>
@@ -3652,7 +3645,7 @@
           <p:cNvPr id="3" name="Content Placeholder 2">
             <a:extLst>
               <a:ext uri="{FF2B5EF4-FFF2-40B4-BE49-F238E27FC236}">
-                <a16:creationId xmlns:a16="http://schemas.microsoft.com/office/drawing/2014/main" id="{D0A7BAA3-C09C-9E7C-73C2-047294E53E2D}"/>
+                <a16:creationId xmlns:a16="http://schemas.microsoft.com/office/drawing/2014/main" id="{75271D0F-4086-DFBC-B66B-CF0D7EEF4967}"/>
               </a:ext>
             </a:extLst>
           </p:cNvPr>
@@ -3669,8 +3662,31 @@
           <a:lstStyle/>
           <a:p>
             <a:r>
-              <a:rPr lang="en-US" dirty="0"/>
-              <a:t>https://git-scm.com/</a:t>
+              <a:rPr lang="en-US" dirty="0">
+                <a:hlinkClick r:id="rId2"/>
+              </a:rPr>
+              <a:t>www.bitbucket.org</a:t>
+            </a:r>
+            <a:endParaRPr lang="en-US" dirty="0"/>
+          </a:p>
+          <a:p>
+            <a:r>
+              <a:rPr lang="en-US" dirty="0"/>
+              <a:t>Founded in 2010</a:t>
+            </a:r>
+          </a:p>
+          <a:p>
+            <a:r>
+              <a:rPr lang="en-US" dirty="0"/>
+              <a:t>Free for </a:t>
+            </a:r>
+            <a:r>
+              <a:rPr lang="en-US" dirty="0" err="1"/>
+              <a:t>upto</a:t>
+            </a:r>
+            <a:r>
+              <a:rPr lang="en-US" dirty="0"/>
+              <a:t> 5 users</a:t>
             </a:r>
           </a:p>
         </p:txBody>
@@ -3678,7 +3694,7 @@
     </p:spTree>
     <p:extLst>
       <p:ext uri="{BB962C8B-B14F-4D97-AF65-F5344CB8AC3E}">
-        <p14:creationId xmlns:p14="http://schemas.microsoft.com/office/powerpoint/2010/main" val="873473985"/>
+        <p14:creationId xmlns:p14="http://schemas.microsoft.com/office/powerpoint/2010/main" val="3609379688"/>
       </p:ext>
     </p:extLst>
   </p:cSld>
@@ -3710,6 +3726,92 @@
           <p:cNvPr id="2" name="Title 1">
             <a:extLst>
               <a:ext uri="{FF2B5EF4-FFF2-40B4-BE49-F238E27FC236}">
+                <a16:creationId xmlns:a16="http://schemas.microsoft.com/office/drawing/2014/main" id="{9380754A-069C-97F9-BE5F-B23FB77A1D13}"/>
+              </a:ext>
+            </a:extLst>
+          </p:cNvPr>
+          <p:cNvSpPr>
+            <a:spLocks noGrp="1"/>
+          </p:cNvSpPr>
+          <p:nvPr>
+            <p:ph type="title"/>
+          </p:nvPr>
+        </p:nvSpPr>
+        <p:spPr/>
+        <p:txBody>
+          <a:bodyPr/>
+          <a:lstStyle/>
+          <a:p>
+            <a:r>
+              <a:rPr lang="en-US" dirty="0"/>
+              <a:t>Install Git</a:t>
+            </a:r>
+          </a:p>
+        </p:txBody>
+      </p:sp>
+      <p:sp>
+        <p:nvSpPr>
+          <p:cNvPr id="3" name="Content Placeholder 2">
+            <a:extLst>
+              <a:ext uri="{FF2B5EF4-FFF2-40B4-BE49-F238E27FC236}">
+                <a16:creationId xmlns:a16="http://schemas.microsoft.com/office/drawing/2014/main" id="{D0A7BAA3-C09C-9E7C-73C2-047294E53E2D}"/>
+              </a:ext>
+            </a:extLst>
+          </p:cNvPr>
+          <p:cNvSpPr>
+            <a:spLocks noGrp="1"/>
+          </p:cNvSpPr>
+          <p:nvPr>
+            <p:ph idx="1"/>
+          </p:nvPr>
+        </p:nvSpPr>
+        <p:spPr/>
+        <p:txBody>
+          <a:bodyPr/>
+          <a:lstStyle/>
+          <a:p>
+            <a:r>
+              <a:rPr lang="en-US" dirty="0"/>
+              <a:t>https://git-scm.com/</a:t>
+            </a:r>
+          </a:p>
+        </p:txBody>
+      </p:sp>
+    </p:spTree>
+    <p:extLst>
+      <p:ext uri="{BB962C8B-B14F-4D97-AF65-F5344CB8AC3E}">
+        <p14:creationId xmlns:p14="http://schemas.microsoft.com/office/powerpoint/2010/main" val="873473985"/>
+      </p:ext>
+    </p:extLst>
+  </p:cSld>
+  <p:clrMapOvr>
+    <a:masterClrMapping/>
+  </p:clrMapOvr>
+</p:sld>
+</file>
+
+<file path=ppt/slides/slide14.xml><?xml version="1.0" encoding="utf-8"?>
+<p:sld xmlns:a="http://schemas.openxmlformats.org/drawingml/2006/main" xmlns:r="http://schemas.openxmlformats.org/officeDocument/2006/relationships" xmlns:p="http://schemas.openxmlformats.org/presentationml/2006/main">
+  <p:cSld>
+    <p:spTree>
+      <p:nvGrpSpPr>
+        <p:cNvPr id="1" name=""/>
+        <p:cNvGrpSpPr/>
+        <p:nvPr/>
+      </p:nvGrpSpPr>
+      <p:grpSpPr>
+        <a:xfrm>
+          <a:off x="0" y="0"/>
+          <a:ext cx="0" cy="0"/>
+          <a:chOff x="0" y="0"/>
+          <a:chExt cx="0" cy="0"/>
+        </a:xfrm>
+      </p:grpSpPr>
+      <p:sp>
+        <p:nvSpPr>
+          <p:cNvPr id="2" name="Title 1">
+            <a:extLst>
+              <a:ext uri="{FF2B5EF4-FFF2-40B4-BE49-F238E27FC236}">
                 <a16:creationId xmlns:a16="http://schemas.microsoft.com/office/drawing/2014/main" id="{0EF48800-A8FE-7FCE-3623-AB51B73266C5}"/>
               </a:ext>
             </a:extLst>
@@ -3726,7 +3828,10 @@
           <a:bodyPr/>
           <a:lstStyle/>
           <a:p>
-            <a:endParaRPr lang="en-US"/>
+            <a:r>
+              <a:rPr lang="en-US" dirty="0"/>
+              <a:t>Why learn HTML?</a:t>
+            </a:r>
           </a:p>
         </p:txBody>
       </p:sp>
@@ -3751,7 +3856,70 @@
           <a:bodyPr/>
           <a:lstStyle/>
           <a:p>
-            <a:endParaRPr lang="en-US"/>
+            <a:r>
+              <a:rPr lang="en-US" dirty="0"/>
+              <a:t>Website/ Web Pages</a:t>
+            </a:r>
+          </a:p>
+        </p:txBody>
+      </p:sp>
+      <p:sp>
+        <p:nvSpPr>
+          <p:cNvPr id="4" name="Title 1">
+            <a:extLst>
+              <a:ext uri="{FF2B5EF4-FFF2-40B4-BE49-F238E27FC236}">
+                <a16:creationId xmlns:a16="http://schemas.microsoft.com/office/drawing/2014/main" id="{494D2BF0-CA5F-4C66-3035-3462D08D4650}"/>
+              </a:ext>
+            </a:extLst>
+          </p:cNvPr>
+          <p:cNvSpPr txBox="1">
+            <a:spLocks/>
+          </p:cNvSpPr>
+          <p:nvPr/>
+        </p:nvSpPr>
+        <p:spPr>
+          <a:xfrm>
+            <a:off x="838200" y="2675731"/>
+            <a:ext cx="10515600" cy="1997869"/>
+          </a:xfrm>
+          <a:prstGeom prst="rect">
+            <a:avLst/>
+          </a:prstGeom>
+        </p:spPr>
+        <p:txBody>
+          <a:bodyPr vert="horz" lIns="91440" tIns="45720" rIns="91440" bIns="45720" rtlCol="0" anchor="ctr">
+            <a:normAutofit/>
+          </a:bodyPr>
+          <a:lstStyle>
+            <a:lvl1pPr algn="l" defTabSz="914400" rtl="0" eaLnBrk="1" latinLnBrk="0" hangingPunct="1">
+              <a:lnSpc>
+                <a:spcPct val="90000"/>
+              </a:lnSpc>
+              <a:spcBef>
+                <a:spcPct val="0"/>
+              </a:spcBef>
+              <a:buNone/>
+              <a:defRPr sz="4400" kern="1200">
+                <a:solidFill>
+                  <a:schemeClr val="tx1"/>
+                </a:solidFill>
+                <a:latin typeface="+mj-lt"/>
+                <a:ea typeface="+mj-ea"/>
+                <a:cs typeface="+mj-cs"/>
+              </a:defRPr>
+            </a:lvl1pPr>
+          </a:lstStyle>
+          <a:p>
+            <a:r>
+              <a:rPr lang="en-US" dirty="0"/>
+              <a:t>Which HTML version</a:t>
+            </a:r>
+          </a:p>
+          <a:p>
+            <a:r>
+              <a:rPr lang="en-US" dirty="0"/>
+              <a:t>HTML 5 and HTML 4</a:t>
+            </a:r>
           </a:p>
         </p:txBody>
       </p:sp>
@@ -3759,6 +3927,535 @@
     <p:extLst>
       <p:ext uri="{BB962C8B-B14F-4D97-AF65-F5344CB8AC3E}">
         <p14:creationId xmlns:p14="http://schemas.microsoft.com/office/powerpoint/2010/main" val="113158430"/>
+      </p:ext>
+    </p:extLst>
+  </p:cSld>
+  <p:clrMapOvr>
+    <a:masterClrMapping/>
+  </p:clrMapOvr>
+</p:sld>
+</file>
+
+<file path=ppt/slides/slide15.xml><?xml version="1.0" encoding="utf-8"?>
+<p:sld xmlns:a="http://schemas.openxmlformats.org/drawingml/2006/main" xmlns:r="http://schemas.openxmlformats.org/officeDocument/2006/relationships" xmlns:p="http://schemas.openxmlformats.org/presentationml/2006/main">
+  <p:cSld>
+    <p:spTree>
+      <p:nvGrpSpPr>
+        <p:cNvPr id="1" name=""/>
+        <p:cNvGrpSpPr/>
+        <p:nvPr/>
+      </p:nvGrpSpPr>
+      <p:grpSpPr>
+        <a:xfrm>
+          <a:off x="0" y="0"/>
+          <a:ext cx="0" cy="0"/>
+          <a:chOff x="0" y="0"/>
+          <a:chExt cx="0" cy="0"/>
+        </a:xfrm>
+      </p:grpSpPr>
+      <p:sp>
+        <p:nvSpPr>
+          <p:cNvPr id="2" name="Title 1">
+            <a:extLst>
+              <a:ext uri="{FF2B5EF4-FFF2-40B4-BE49-F238E27FC236}">
+                <a16:creationId xmlns:a16="http://schemas.microsoft.com/office/drawing/2014/main" id="{6BE3A9FC-6A15-308D-8ECC-C451914B9F6F}"/>
+              </a:ext>
+            </a:extLst>
+          </p:cNvPr>
+          <p:cNvSpPr>
+            <a:spLocks noGrp="1"/>
+          </p:cNvSpPr>
+          <p:nvPr>
+            <p:ph type="title"/>
+          </p:nvPr>
+        </p:nvSpPr>
+        <p:spPr/>
+        <p:txBody>
+          <a:bodyPr/>
+          <a:lstStyle/>
+          <a:p>
+            <a:r>
+              <a:rPr lang="en-US" dirty="0"/>
+              <a:t>Software </a:t>
+            </a:r>
+            <a:r>
+              <a:rPr lang="en-US" dirty="0" err="1"/>
+              <a:t>Requiremetn</a:t>
+            </a:r>
+            <a:endParaRPr lang="en-US" dirty="0"/>
+          </a:p>
+        </p:txBody>
+      </p:sp>
+      <p:sp>
+        <p:nvSpPr>
+          <p:cNvPr id="3" name="Content Placeholder 2">
+            <a:extLst>
+              <a:ext uri="{FF2B5EF4-FFF2-40B4-BE49-F238E27FC236}">
+                <a16:creationId xmlns:a16="http://schemas.microsoft.com/office/drawing/2014/main" id="{8BFD902E-9B49-51BB-783B-09BCEA13A3DA}"/>
+              </a:ext>
+            </a:extLst>
+          </p:cNvPr>
+          <p:cNvSpPr>
+            <a:spLocks noGrp="1"/>
+          </p:cNvSpPr>
+          <p:nvPr>
+            <p:ph idx="1"/>
+          </p:nvPr>
+        </p:nvSpPr>
+        <p:spPr/>
+        <p:txBody>
+          <a:bodyPr/>
+          <a:lstStyle/>
+          <a:p>
+            <a:r>
+              <a:rPr lang="en-US" dirty="0"/>
+              <a:t>HTML editor</a:t>
+            </a:r>
+          </a:p>
+          <a:p>
+            <a:r>
+              <a:rPr lang="en-US" dirty="0"/>
+              <a:t>Browser</a:t>
+            </a:r>
+          </a:p>
+        </p:txBody>
+      </p:sp>
+    </p:spTree>
+    <p:extLst>
+      <p:ext uri="{BB962C8B-B14F-4D97-AF65-F5344CB8AC3E}">
+        <p14:creationId xmlns:p14="http://schemas.microsoft.com/office/powerpoint/2010/main" val="2549053686"/>
+      </p:ext>
+    </p:extLst>
+  </p:cSld>
+  <p:clrMapOvr>
+    <a:masterClrMapping/>
+  </p:clrMapOvr>
+</p:sld>
+</file>
+
+<file path=ppt/slides/slide16.xml><?xml version="1.0" encoding="utf-8"?>
+<p:sld xmlns:a="http://schemas.openxmlformats.org/drawingml/2006/main" xmlns:r="http://schemas.openxmlformats.org/officeDocument/2006/relationships" xmlns:p="http://schemas.openxmlformats.org/presentationml/2006/main">
+  <p:cSld>
+    <p:spTree>
+      <p:nvGrpSpPr>
+        <p:cNvPr id="1" name=""/>
+        <p:cNvGrpSpPr/>
+        <p:nvPr/>
+      </p:nvGrpSpPr>
+      <p:grpSpPr>
+        <a:xfrm>
+          <a:off x="0" y="0"/>
+          <a:ext cx="0" cy="0"/>
+          <a:chOff x="0" y="0"/>
+          <a:chExt cx="0" cy="0"/>
+        </a:xfrm>
+      </p:grpSpPr>
+      <p:sp>
+        <p:nvSpPr>
+          <p:cNvPr id="2" name="Title 1">
+            <a:extLst>
+              <a:ext uri="{FF2B5EF4-FFF2-40B4-BE49-F238E27FC236}">
+                <a16:creationId xmlns:a16="http://schemas.microsoft.com/office/drawing/2014/main" id="{42318878-1928-898F-1F96-AA88B110A3E4}"/>
+              </a:ext>
+            </a:extLst>
+          </p:cNvPr>
+          <p:cNvSpPr>
+            <a:spLocks noGrp="1"/>
+          </p:cNvSpPr>
+          <p:nvPr>
+            <p:ph type="title"/>
+          </p:nvPr>
+        </p:nvSpPr>
+        <p:spPr/>
+        <p:txBody>
+          <a:bodyPr/>
+          <a:lstStyle/>
+          <a:p>
+            <a:r>
+              <a:rPr lang="en-US" dirty="0"/>
+              <a:t>HTML Editor</a:t>
+            </a:r>
+          </a:p>
+        </p:txBody>
+      </p:sp>
+      <p:sp>
+        <p:nvSpPr>
+          <p:cNvPr id="3" name="Content Placeholder 2">
+            <a:extLst>
+              <a:ext uri="{FF2B5EF4-FFF2-40B4-BE49-F238E27FC236}">
+                <a16:creationId xmlns:a16="http://schemas.microsoft.com/office/drawing/2014/main" id="{D66FA7D7-A19C-7BBD-EEBD-35CEE33E55EB}"/>
+              </a:ext>
+            </a:extLst>
+          </p:cNvPr>
+          <p:cNvSpPr>
+            <a:spLocks noGrp="1"/>
+          </p:cNvSpPr>
+          <p:nvPr>
+            <p:ph idx="1"/>
+          </p:nvPr>
+        </p:nvSpPr>
+        <p:spPr/>
+        <p:txBody>
+          <a:bodyPr/>
+          <a:lstStyle/>
+          <a:p>
+            <a:r>
+              <a:rPr lang="en-US" dirty="0"/>
+              <a:t>Notepad</a:t>
+            </a:r>
+          </a:p>
+          <a:p>
+            <a:r>
+              <a:rPr lang="en-US" dirty="0"/>
+              <a:t>notepad++</a:t>
+            </a:r>
+          </a:p>
+          <a:p>
+            <a:r>
+              <a:rPr lang="en-US" dirty="0"/>
+              <a:t>Sublime</a:t>
+            </a:r>
+          </a:p>
+          <a:p>
+            <a:r>
+              <a:rPr lang="en-US" dirty="0"/>
+              <a:t>Atom</a:t>
+            </a:r>
+          </a:p>
+          <a:p>
+            <a:r>
+              <a:rPr lang="en-US" dirty="0"/>
+              <a:t>Vs Code</a:t>
+            </a:r>
+          </a:p>
+        </p:txBody>
+      </p:sp>
+    </p:spTree>
+    <p:extLst>
+      <p:ext uri="{BB962C8B-B14F-4D97-AF65-F5344CB8AC3E}">
+        <p14:creationId xmlns:p14="http://schemas.microsoft.com/office/powerpoint/2010/main" val="1500821570"/>
+      </p:ext>
+    </p:extLst>
+  </p:cSld>
+  <p:clrMapOvr>
+    <a:masterClrMapping/>
+  </p:clrMapOvr>
+</p:sld>
+</file>
+
+<file path=ppt/slides/slide17.xml><?xml version="1.0" encoding="utf-8"?>
+<p:sld xmlns:a="http://schemas.openxmlformats.org/drawingml/2006/main" xmlns:r="http://schemas.openxmlformats.org/officeDocument/2006/relationships" xmlns:p="http://schemas.openxmlformats.org/presentationml/2006/main">
+  <p:cSld>
+    <p:spTree>
+      <p:nvGrpSpPr>
+        <p:cNvPr id="1" name=""/>
+        <p:cNvGrpSpPr/>
+        <p:nvPr/>
+      </p:nvGrpSpPr>
+      <p:grpSpPr>
+        <a:xfrm>
+          <a:off x="0" y="0"/>
+          <a:ext cx="0" cy="0"/>
+          <a:chOff x="0" y="0"/>
+          <a:chExt cx="0" cy="0"/>
+        </a:xfrm>
+      </p:grpSpPr>
+      <p:sp>
+        <p:nvSpPr>
+          <p:cNvPr id="2" name="Title 1">
+            <a:extLst>
+              <a:ext uri="{FF2B5EF4-FFF2-40B4-BE49-F238E27FC236}">
+                <a16:creationId xmlns:a16="http://schemas.microsoft.com/office/drawing/2014/main" id="{4EAFB5C1-3E64-07B6-D4FA-BD94DAF12CB4}"/>
+              </a:ext>
+            </a:extLst>
+          </p:cNvPr>
+          <p:cNvSpPr>
+            <a:spLocks noGrp="1"/>
+          </p:cNvSpPr>
+          <p:nvPr>
+            <p:ph type="title"/>
+          </p:nvPr>
+        </p:nvSpPr>
+        <p:spPr/>
+        <p:txBody>
+          <a:bodyPr/>
+          <a:lstStyle/>
+          <a:p>
+            <a:r>
+              <a:rPr lang="en-US" dirty="0"/>
+              <a:t>Browser</a:t>
+            </a:r>
+          </a:p>
+        </p:txBody>
+      </p:sp>
+      <p:sp>
+        <p:nvSpPr>
+          <p:cNvPr id="3" name="Content Placeholder 2">
+            <a:extLst>
+              <a:ext uri="{FF2B5EF4-FFF2-40B4-BE49-F238E27FC236}">
+                <a16:creationId xmlns:a16="http://schemas.microsoft.com/office/drawing/2014/main" id="{DEB8E373-CDFF-A7C7-BFA8-A41751B649E0}"/>
+              </a:ext>
+            </a:extLst>
+          </p:cNvPr>
+          <p:cNvSpPr>
+            <a:spLocks noGrp="1"/>
+          </p:cNvSpPr>
+          <p:nvPr>
+            <p:ph idx="1"/>
+          </p:nvPr>
+        </p:nvSpPr>
+        <p:spPr/>
+        <p:txBody>
+          <a:bodyPr/>
+          <a:lstStyle/>
+          <a:p>
+            <a:r>
+              <a:rPr lang="en-US" dirty="0"/>
+              <a:t>Chrome</a:t>
+            </a:r>
+          </a:p>
+          <a:p>
+            <a:r>
+              <a:rPr lang="en-US" dirty="0"/>
+              <a:t>Firefox</a:t>
+            </a:r>
+          </a:p>
+          <a:p>
+            <a:r>
+              <a:rPr lang="en-US" dirty="0" err="1"/>
+              <a:t>iE</a:t>
+            </a:r>
+            <a:endParaRPr lang="en-US" dirty="0"/>
+          </a:p>
+          <a:p>
+            <a:r>
+              <a:rPr lang="en-US" dirty="0"/>
+              <a:t>Safari</a:t>
+            </a:r>
+          </a:p>
+          <a:p>
+            <a:r>
+              <a:rPr lang="en-US" dirty="0"/>
+              <a:t>Opera</a:t>
+            </a:r>
+          </a:p>
+        </p:txBody>
+      </p:sp>
+    </p:spTree>
+    <p:extLst>
+      <p:ext uri="{BB962C8B-B14F-4D97-AF65-F5344CB8AC3E}">
+        <p14:creationId xmlns:p14="http://schemas.microsoft.com/office/powerpoint/2010/main" val="2392399350"/>
+      </p:ext>
+    </p:extLst>
+  </p:cSld>
+  <p:clrMapOvr>
+    <a:masterClrMapping/>
+  </p:clrMapOvr>
+</p:sld>
+</file>
+
+<file path=ppt/slides/slide18.xml><?xml version="1.0" encoding="utf-8"?>
+<p:sld xmlns:a="http://schemas.openxmlformats.org/drawingml/2006/main" xmlns:r="http://schemas.openxmlformats.org/officeDocument/2006/relationships" xmlns:p="http://schemas.openxmlformats.org/presentationml/2006/main">
+  <p:cSld>
+    <p:spTree>
+      <p:nvGrpSpPr>
+        <p:cNvPr id="1" name=""/>
+        <p:cNvGrpSpPr/>
+        <p:nvPr/>
+      </p:nvGrpSpPr>
+      <p:grpSpPr>
+        <a:xfrm>
+          <a:off x="0" y="0"/>
+          <a:ext cx="0" cy="0"/>
+          <a:chOff x="0" y="0"/>
+          <a:chExt cx="0" cy="0"/>
+        </a:xfrm>
+      </p:grpSpPr>
+      <p:sp>
+        <p:nvSpPr>
+          <p:cNvPr id="2" name="Title 1">
+            <a:extLst>
+              <a:ext uri="{FF2B5EF4-FFF2-40B4-BE49-F238E27FC236}">
+                <a16:creationId xmlns:a16="http://schemas.microsoft.com/office/drawing/2014/main" id="{F8798D57-536E-5922-83EF-2329C7196C6B}"/>
+              </a:ext>
+            </a:extLst>
+          </p:cNvPr>
+          <p:cNvSpPr>
+            <a:spLocks noGrp="1"/>
+          </p:cNvSpPr>
+          <p:nvPr>
+            <p:ph type="title"/>
+          </p:nvPr>
+        </p:nvSpPr>
+        <p:spPr/>
+        <p:txBody>
+          <a:bodyPr/>
+          <a:lstStyle/>
+          <a:p>
+            <a:r>
+              <a:rPr lang="en-US" dirty="0"/>
+              <a:t>Basic Syntax</a:t>
+            </a:r>
+          </a:p>
+        </p:txBody>
+      </p:sp>
+      <p:sp>
+        <p:nvSpPr>
+          <p:cNvPr id="3" name="Content Placeholder 2">
+            <a:extLst>
+              <a:ext uri="{FF2B5EF4-FFF2-40B4-BE49-F238E27FC236}">
+                <a16:creationId xmlns:a16="http://schemas.microsoft.com/office/drawing/2014/main" id="{46FAA3E0-6732-17CB-155E-B737448CCCF0}"/>
+              </a:ext>
+            </a:extLst>
+          </p:cNvPr>
+          <p:cNvSpPr>
+            <a:spLocks noGrp="1"/>
+          </p:cNvSpPr>
+          <p:nvPr>
+            <p:ph idx="1"/>
+          </p:nvPr>
+        </p:nvSpPr>
+        <p:spPr/>
+        <p:txBody>
+          <a:bodyPr/>
+          <a:lstStyle/>
+          <a:p>
+            <a:pPr marL="0" indent="0">
+              <a:buNone/>
+            </a:pPr>
+            <a:r>
+              <a:rPr lang="en-US" dirty="0"/>
+              <a:t>&lt; &gt;</a:t>
+            </a:r>
+          </a:p>
+          <a:p>
+            <a:pPr marL="0" indent="0">
+              <a:buNone/>
+            </a:pPr>
+            <a:r>
+              <a:rPr lang="en-US" dirty="0"/>
+              <a:t>&lt;tag&gt;</a:t>
+            </a:r>
+          </a:p>
+          <a:p>
+            <a:pPr marL="0" indent="0">
+              <a:buNone/>
+            </a:pPr>
+            <a:r>
+              <a:rPr lang="en-US" dirty="0"/>
+              <a:t>Hello world</a:t>
+            </a:r>
+          </a:p>
+          <a:p>
+            <a:pPr marL="0" indent="0">
+              <a:buNone/>
+            </a:pPr>
+            <a:r>
+              <a:rPr lang="en-US" dirty="0"/>
+              <a:t>&lt;/tag&gt;</a:t>
+            </a:r>
+          </a:p>
+        </p:txBody>
+      </p:sp>
+    </p:spTree>
+    <p:extLst>
+      <p:ext uri="{BB962C8B-B14F-4D97-AF65-F5344CB8AC3E}">
+        <p14:creationId xmlns:p14="http://schemas.microsoft.com/office/powerpoint/2010/main" val="29982207"/>
+      </p:ext>
+    </p:extLst>
+  </p:cSld>
+  <p:clrMapOvr>
+    <a:masterClrMapping/>
+  </p:clrMapOvr>
+</p:sld>
+</file>
+
+<file path=ppt/slides/slide19.xml><?xml version="1.0" encoding="utf-8"?>
+<p:sld xmlns:a="http://schemas.openxmlformats.org/drawingml/2006/main" xmlns:r="http://schemas.openxmlformats.org/officeDocument/2006/relationships" xmlns:p="http://schemas.openxmlformats.org/presentationml/2006/main">
+  <p:cSld>
+    <p:spTree>
+      <p:nvGrpSpPr>
+        <p:cNvPr id="1" name=""/>
+        <p:cNvGrpSpPr/>
+        <p:nvPr/>
+      </p:nvGrpSpPr>
+      <p:grpSpPr>
+        <a:xfrm>
+          <a:off x="0" y="0"/>
+          <a:ext cx="0" cy="0"/>
+          <a:chOff x="0" y="0"/>
+          <a:chExt cx="0" cy="0"/>
+        </a:xfrm>
+      </p:grpSpPr>
+      <p:sp>
+        <p:nvSpPr>
+          <p:cNvPr id="2" name="Title 1">
+            <a:extLst>
+              <a:ext uri="{FF2B5EF4-FFF2-40B4-BE49-F238E27FC236}">
+                <a16:creationId xmlns:a16="http://schemas.microsoft.com/office/drawing/2014/main" id="{9A1574F0-CED8-4893-1BF2-DC961F21E779}"/>
+              </a:ext>
+            </a:extLst>
+          </p:cNvPr>
+          <p:cNvSpPr>
+            <a:spLocks noGrp="1"/>
+          </p:cNvSpPr>
+          <p:nvPr>
+            <p:ph type="title"/>
+          </p:nvPr>
+        </p:nvSpPr>
+        <p:spPr/>
+        <p:txBody>
+          <a:bodyPr/>
+          <a:lstStyle/>
+          <a:p>
+            <a:endParaRPr lang="en-US"/>
+          </a:p>
+        </p:txBody>
+      </p:sp>
+      <p:sp>
+        <p:nvSpPr>
+          <p:cNvPr id="3" name="Content Placeholder 2">
+            <a:extLst>
+              <a:ext uri="{FF2B5EF4-FFF2-40B4-BE49-F238E27FC236}">
+                <a16:creationId xmlns:a16="http://schemas.microsoft.com/office/drawing/2014/main" id="{5E8493A8-6E03-090B-B4F6-4986E1DF4370}"/>
+              </a:ext>
+            </a:extLst>
+          </p:cNvPr>
+          <p:cNvSpPr>
+            <a:spLocks noGrp="1"/>
+          </p:cNvSpPr>
+          <p:nvPr>
+            <p:ph idx="1"/>
+          </p:nvPr>
+        </p:nvSpPr>
+        <p:spPr/>
+        <p:txBody>
+          <a:bodyPr/>
+          <a:lstStyle/>
+          <a:p>
+            <a:pPr marL="0" indent="0">
+              <a:buNone/>
+            </a:pPr>
+            <a:r>
+              <a:rPr lang="en-US" dirty="0"/>
+              <a:t>&lt;html&gt;</a:t>
+            </a:r>
+          </a:p>
+          <a:p>
+            <a:pPr marL="0" indent="0">
+              <a:buNone/>
+            </a:pPr>
+            <a:r>
+              <a:rPr lang="en-US" dirty="0"/>
+              <a:t>	&lt;/html&gt;</a:t>
+            </a:r>
+          </a:p>
+        </p:txBody>
+      </p:sp>
+    </p:spTree>
+    <p:extLst>
+      <p:ext uri="{BB962C8B-B14F-4D97-AF65-F5344CB8AC3E}">
+        <p14:creationId xmlns:p14="http://schemas.microsoft.com/office/powerpoint/2010/main" val="3695145648"/>
       </p:ext>
     </p:extLst>
   </p:cSld>
@@ -3790,7 +4487,7 @@
           <p:cNvPr id="2" name="Title 1">
             <a:extLst>
               <a:ext uri="{FF2B5EF4-FFF2-40B4-BE49-F238E27FC236}">
-                <a16:creationId xmlns:a16="http://schemas.microsoft.com/office/drawing/2014/main" id="{5D30A6C1-27B7-396A-8220-A7D0C456B925}"/>
+                <a16:creationId xmlns:a16="http://schemas.microsoft.com/office/drawing/2014/main" id="{3732A02C-0E20-4999-F821-D1A3E913FA67}"/>
               </a:ext>
             </a:extLst>
           </p:cNvPr>
@@ -3806,10 +4503,7 @@
           <a:bodyPr/>
           <a:lstStyle/>
           <a:p>
-            <a:r>
-              <a:rPr lang="en-US" dirty="0"/>
-              <a:t>What is Version Control ?</a:t>
-            </a:r>
+            <a:endParaRPr lang="en-US"/>
           </a:p>
         </p:txBody>
       </p:sp>
@@ -3818,7 +4512,7 @@
           <p:cNvPr id="3" name="Content Placeholder 2">
             <a:extLst>
               <a:ext uri="{FF2B5EF4-FFF2-40B4-BE49-F238E27FC236}">
-                <a16:creationId xmlns:a16="http://schemas.microsoft.com/office/drawing/2014/main" id="{16A767BE-B0BF-BE5E-E2A1-C577EC113316}"/>
+                <a16:creationId xmlns:a16="http://schemas.microsoft.com/office/drawing/2014/main" id="{EF7E5865-2685-0444-5946-BAE53695A346}"/>
               </a:ext>
             </a:extLst>
           </p:cNvPr>
@@ -3834,26 +4528,555 @@
           <a:bodyPr/>
           <a:lstStyle/>
           <a:p>
-            <a:r>
-              <a:rPr lang="en-US" dirty="0"/>
-              <a:t>A system keeps records for changes</a:t>
-            </a:r>
-          </a:p>
-          <a:p>
-            <a:r>
-              <a:rPr lang="en-US" dirty="0"/>
-              <a:t>Allows for collaborative development</a:t>
-            </a:r>
-          </a:p>
-          <a:p>
-            <a:endParaRPr lang="en-US" dirty="0"/>
+            <a:endParaRPr lang="en-US"/>
           </a:p>
         </p:txBody>
       </p:sp>
     </p:spTree>
     <p:extLst>
       <p:ext uri="{BB962C8B-B14F-4D97-AF65-F5344CB8AC3E}">
-        <p14:creationId xmlns:p14="http://schemas.microsoft.com/office/powerpoint/2010/main" val="680121722"/>
+        <p14:creationId xmlns:p14="http://schemas.microsoft.com/office/powerpoint/2010/main" val="2972525630"/>
+      </p:ext>
+    </p:extLst>
+  </p:cSld>
+  <p:clrMapOvr>
+    <a:masterClrMapping/>
+  </p:clrMapOvr>
+</p:sld>
+</file>
+
+<file path=ppt/slides/slide20.xml><?xml version="1.0" encoding="utf-8"?>
+<p:sld xmlns:a="http://schemas.openxmlformats.org/drawingml/2006/main" xmlns:r="http://schemas.openxmlformats.org/officeDocument/2006/relationships" xmlns:p="http://schemas.openxmlformats.org/presentationml/2006/main">
+  <p:cSld>
+    <p:spTree>
+      <p:nvGrpSpPr>
+        <p:cNvPr id="1" name=""/>
+        <p:cNvGrpSpPr/>
+        <p:nvPr/>
+      </p:nvGrpSpPr>
+      <p:grpSpPr>
+        <a:xfrm>
+          <a:off x="0" y="0"/>
+          <a:ext cx="0" cy="0"/>
+          <a:chOff x="0" y="0"/>
+          <a:chExt cx="0" cy="0"/>
+        </a:xfrm>
+      </p:grpSpPr>
+      <p:sp>
+        <p:nvSpPr>
+          <p:cNvPr id="2" name="Title 1">
+            <a:extLst>
+              <a:ext uri="{FF2B5EF4-FFF2-40B4-BE49-F238E27FC236}">
+                <a16:creationId xmlns:a16="http://schemas.microsoft.com/office/drawing/2014/main" id="{FF3F76FC-6275-64C7-1F0C-CFA0AAAA50AC}"/>
+              </a:ext>
+            </a:extLst>
+          </p:cNvPr>
+          <p:cNvSpPr>
+            <a:spLocks noGrp="1"/>
+          </p:cNvSpPr>
+          <p:nvPr>
+            <p:ph type="title"/>
+          </p:nvPr>
+        </p:nvSpPr>
+        <p:spPr/>
+        <p:txBody>
+          <a:bodyPr/>
+          <a:lstStyle/>
+          <a:p>
+            <a:endParaRPr lang="en-US"/>
+          </a:p>
+        </p:txBody>
+      </p:sp>
+      <p:sp>
+        <p:nvSpPr>
+          <p:cNvPr id="3" name="Content Placeholder 2">
+            <a:extLst>
+              <a:ext uri="{FF2B5EF4-FFF2-40B4-BE49-F238E27FC236}">
+                <a16:creationId xmlns:a16="http://schemas.microsoft.com/office/drawing/2014/main" id="{EE98576C-1F26-E6AB-7F06-B07961163F8C}"/>
+              </a:ext>
+            </a:extLst>
+          </p:cNvPr>
+          <p:cNvSpPr>
+            <a:spLocks noGrp="1"/>
+          </p:cNvSpPr>
+          <p:nvPr>
+            <p:ph idx="1"/>
+          </p:nvPr>
+        </p:nvSpPr>
+        <p:spPr/>
+        <p:txBody>
+          <a:bodyPr/>
+          <a:lstStyle/>
+          <a:p>
+            <a:pPr marL="0" indent="0">
+              <a:buNone/>
+            </a:pPr>
+            <a:r>
+              <a:rPr lang="en-US" dirty="0"/>
+              <a:t>&lt;html&gt;</a:t>
+            </a:r>
+          </a:p>
+          <a:p>
+            <a:pPr marL="0" indent="0">
+              <a:buNone/>
+            </a:pPr>
+            <a:r>
+              <a:rPr lang="en-US" dirty="0"/>
+              <a:t>&lt;head&gt;</a:t>
+            </a:r>
+          </a:p>
+          <a:p>
+            <a:pPr marL="0" indent="0">
+              <a:buNone/>
+            </a:pPr>
+            <a:r>
+              <a:rPr lang="en-US" dirty="0"/>
+              <a:t>	&lt;title&gt;First Web Page&lt;/title&gt;</a:t>
+            </a:r>
+          </a:p>
+          <a:p>
+            <a:pPr marL="0" indent="0">
+              <a:buNone/>
+            </a:pPr>
+            <a:r>
+              <a:rPr lang="en-US" dirty="0"/>
+              <a:t>&lt;/head&gt;</a:t>
+            </a:r>
+          </a:p>
+          <a:p>
+            <a:pPr marL="0" indent="0">
+              <a:buNone/>
+            </a:pPr>
+            <a:r>
+              <a:rPr lang="en-US" dirty="0"/>
+              <a:t>&lt;body&gt;</a:t>
+            </a:r>
+          </a:p>
+          <a:p>
+            <a:pPr marL="0" indent="0">
+              <a:buNone/>
+            </a:pPr>
+            <a:r>
+              <a:rPr lang="en-US" dirty="0"/>
+              <a:t>Hello World</a:t>
+            </a:r>
+          </a:p>
+          <a:p>
+            <a:pPr marL="0" indent="0">
+              <a:buNone/>
+            </a:pPr>
+            <a:r>
+              <a:rPr lang="en-US" dirty="0"/>
+              <a:t>&lt;/body&gt;</a:t>
+            </a:r>
+          </a:p>
+          <a:p>
+            <a:pPr marL="0" indent="0">
+              <a:buNone/>
+            </a:pPr>
+            <a:r>
+              <a:rPr lang="en-US" dirty="0"/>
+              <a:t>&lt;/html&gt;</a:t>
+            </a:r>
+          </a:p>
+        </p:txBody>
+      </p:sp>
+    </p:spTree>
+    <p:extLst>
+      <p:ext uri="{BB962C8B-B14F-4D97-AF65-F5344CB8AC3E}">
+        <p14:creationId xmlns:p14="http://schemas.microsoft.com/office/powerpoint/2010/main" val="594109268"/>
+      </p:ext>
+    </p:extLst>
+  </p:cSld>
+  <p:clrMapOvr>
+    <a:masterClrMapping/>
+  </p:clrMapOvr>
+</p:sld>
+</file>
+
+<file path=ppt/slides/slide21.xml><?xml version="1.0" encoding="utf-8"?>
+<p:sld xmlns:a="http://schemas.openxmlformats.org/drawingml/2006/main" xmlns:r="http://schemas.openxmlformats.org/officeDocument/2006/relationships" xmlns:p="http://schemas.openxmlformats.org/presentationml/2006/main">
+  <p:cSld>
+    <p:spTree>
+      <p:nvGrpSpPr>
+        <p:cNvPr id="1" name=""/>
+        <p:cNvGrpSpPr/>
+        <p:nvPr/>
+      </p:nvGrpSpPr>
+      <p:grpSpPr>
+        <a:xfrm>
+          <a:off x="0" y="0"/>
+          <a:ext cx="0" cy="0"/>
+          <a:chOff x="0" y="0"/>
+          <a:chExt cx="0" cy="0"/>
+        </a:xfrm>
+      </p:grpSpPr>
+      <p:sp>
+        <p:nvSpPr>
+          <p:cNvPr id="2" name="Title 1">
+            <a:extLst>
+              <a:ext uri="{FF2B5EF4-FFF2-40B4-BE49-F238E27FC236}">
+                <a16:creationId xmlns:a16="http://schemas.microsoft.com/office/drawing/2014/main" id="{41B38362-903B-9E47-3FBD-A92AD0105187}"/>
+              </a:ext>
+            </a:extLst>
+          </p:cNvPr>
+          <p:cNvSpPr>
+            <a:spLocks noGrp="1"/>
+          </p:cNvSpPr>
+          <p:nvPr>
+            <p:ph type="title"/>
+          </p:nvPr>
+        </p:nvSpPr>
+        <p:spPr/>
+        <p:txBody>
+          <a:bodyPr/>
+          <a:lstStyle/>
+          <a:p>
+            <a:r>
+              <a:rPr lang="en-US" dirty="0"/>
+              <a:t>File Save</a:t>
+            </a:r>
+          </a:p>
+        </p:txBody>
+      </p:sp>
+      <p:sp>
+        <p:nvSpPr>
+          <p:cNvPr id="3" name="Content Placeholder 2">
+            <a:extLst>
+              <a:ext uri="{FF2B5EF4-FFF2-40B4-BE49-F238E27FC236}">
+                <a16:creationId xmlns:a16="http://schemas.microsoft.com/office/drawing/2014/main" id="{B3F2927E-8E48-0A32-733E-2EDFE2501A11}"/>
+              </a:ext>
+            </a:extLst>
+          </p:cNvPr>
+          <p:cNvSpPr>
+            <a:spLocks noGrp="1"/>
+          </p:cNvSpPr>
+          <p:nvPr>
+            <p:ph idx="1"/>
+          </p:nvPr>
+        </p:nvSpPr>
+        <p:spPr/>
+        <p:txBody>
+          <a:bodyPr/>
+          <a:lstStyle/>
+          <a:p>
+            <a:pPr marL="0" indent="0">
+              <a:buNone/>
+            </a:pPr>
+            <a:r>
+              <a:rPr lang="en-US" dirty="0"/>
+              <a:t>Filename.html</a:t>
+            </a:r>
+          </a:p>
+        </p:txBody>
+      </p:sp>
+    </p:spTree>
+    <p:extLst>
+      <p:ext uri="{BB962C8B-B14F-4D97-AF65-F5344CB8AC3E}">
+        <p14:creationId xmlns:p14="http://schemas.microsoft.com/office/powerpoint/2010/main" val="1204667233"/>
+      </p:ext>
+    </p:extLst>
+  </p:cSld>
+  <p:clrMapOvr>
+    <a:masterClrMapping/>
+  </p:clrMapOvr>
+</p:sld>
+</file>
+
+<file path=ppt/slides/slide22.xml><?xml version="1.0" encoding="utf-8"?>
+<p:sld xmlns:a="http://schemas.openxmlformats.org/drawingml/2006/main" xmlns:r="http://schemas.openxmlformats.org/officeDocument/2006/relationships" xmlns:p="http://schemas.openxmlformats.org/presentationml/2006/main">
+  <p:cSld>
+    <p:spTree>
+      <p:nvGrpSpPr>
+        <p:cNvPr id="1" name=""/>
+        <p:cNvGrpSpPr/>
+        <p:nvPr/>
+      </p:nvGrpSpPr>
+      <p:grpSpPr>
+        <a:xfrm>
+          <a:off x="0" y="0"/>
+          <a:ext cx="0" cy="0"/>
+          <a:chOff x="0" y="0"/>
+          <a:chExt cx="0" cy="0"/>
+        </a:xfrm>
+      </p:grpSpPr>
+      <p:sp>
+        <p:nvSpPr>
+          <p:cNvPr id="2" name="Title 1">
+            <a:extLst>
+              <a:ext uri="{FF2B5EF4-FFF2-40B4-BE49-F238E27FC236}">
+                <a16:creationId xmlns:a16="http://schemas.microsoft.com/office/drawing/2014/main" id="{AC66C65E-0382-5701-37A7-BD7836AA7DFB}"/>
+              </a:ext>
+            </a:extLst>
+          </p:cNvPr>
+          <p:cNvSpPr>
+            <a:spLocks noGrp="1"/>
+          </p:cNvSpPr>
+          <p:nvPr>
+            <p:ph type="title"/>
+          </p:nvPr>
+        </p:nvSpPr>
+        <p:spPr/>
+        <p:txBody>
+          <a:bodyPr/>
+          <a:lstStyle/>
+          <a:p>
+            <a:r>
+              <a:rPr lang="en-US" dirty="0"/>
+              <a:t>HTML Text Formatting</a:t>
+            </a:r>
+          </a:p>
+        </p:txBody>
+      </p:sp>
+      <p:sp>
+        <p:nvSpPr>
+          <p:cNvPr id="3" name="Content Placeholder 2">
+            <a:extLst>
+              <a:ext uri="{FF2B5EF4-FFF2-40B4-BE49-F238E27FC236}">
+                <a16:creationId xmlns:a16="http://schemas.microsoft.com/office/drawing/2014/main" id="{8D59BCB4-CC70-07D7-15A6-240EA07FC758}"/>
+              </a:ext>
+            </a:extLst>
+          </p:cNvPr>
+          <p:cNvSpPr>
+            <a:spLocks noGrp="1"/>
+          </p:cNvSpPr>
+          <p:nvPr>
+            <p:ph idx="1"/>
+          </p:nvPr>
+        </p:nvSpPr>
+        <p:spPr/>
+        <p:txBody>
+          <a:bodyPr/>
+          <a:lstStyle/>
+          <a:p>
+            <a:endParaRPr lang="en-US"/>
+          </a:p>
+        </p:txBody>
+      </p:sp>
+    </p:spTree>
+    <p:extLst>
+      <p:ext uri="{BB962C8B-B14F-4D97-AF65-F5344CB8AC3E}">
+        <p14:creationId xmlns:p14="http://schemas.microsoft.com/office/powerpoint/2010/main" val="904343636"/>
+      </p:ext>
+    </p:extLst>
+  </p:cSld>
+  <p:clrMapOvr>
+    <a:masterClrMapping/>
+  </p:clrMapOvr>
+</p:sld>
+</file>
+
+<file path=ppt/slides/slide23.xml><?xml version="1.0" encoding="utf-8"?>
+<p:sld xmlns:a="http://schemas.openxmlformats.org/drawingml/2006/main" xmlns:r="http://schemas.openxmlformats.org/officeDocument/2006/relationships" xmlns:p="http://schemas.openxmlformats.org/presentationml/2006/main">
+  <p:cSld>
+    <p:spTree>
+      <p:nvGrpSpPr>
+        <p:cNvPr id="1" name=""/>
+        <p:cNvGrpSpPr/>
+        <p:nvPr/>
+      </p:nvGrpSpPr>
+      <p:grpSpPr>
+        <a:xfrm>
+          <a:off x="0" y="0"/>
+          <a:ext cx="0" cy="0"/>
+          <a:chOff x="0" y="0"/>
+          <a:chExt cx="0" cy="0"/>
+        </a:xfrm>
+      </p:grpSpPr>
+      <p:sp>
+        <p:nvSpPr>
+          <p:cNvPr id="2" name="Title 1">
+            <a:extLst>
+              <a:ext uri="{FF2B5EF4-FFF2-40B4-BE49-F238E27FC236}">
+                <a16:creationId xmlns:a16="http://schemas.microsoft.com/office/drawing/2014/main" id="{414EBCEC-28CC-9611-4652-7C504F790D1A}"/>
+              </a:ext>
+            </a:extLst>
+          </p:cNvPr>
+          <p:cNvSpPr>
+            <a:spLocks noGrp="1"/>
+          </p:cNvSpPr>
+          <p:nvPr>
+            <p:ph type="title"/>
+          </p:nvPr>
+        </p:nvSpPr>
+        <p:spPr/>
+        <p:txBody>
+          <a:bodyPr/>
+          <a:lstStyle/>
+          <a:p>
+            <a:r>
+              <a:rPr lang="en-US" dirty="0"/>
+              <a:t>Text Formatting</a:t>
+            </a:r>
+          </a:p>
+        </p:txBody>
+      </p:sp>
+      <p:sp>
+        <p:nvSpPr>
+          <p:cNvPr id="3" name="Content Placeholder 2">
+            <a:extLst>
+              <a:ext uri="{FF2B5EF4-FFF2-40B4-BE49-F238E27FC236}">
+                <a16:creationId xmlns:a16="http://schemas.microsoft.com/office/drawing/2014/main" id="{137CD689-A3DA-2FF1-0E9B-897D539CB58F}"/>
+              </a:ext>
+            </a:extLst>
+          </p:cNvPr>
+          <p:cNvSpPr>
+            <a:spLocks noGrp="1"/>
+          </p:cNvSpPr>
+          <p:nvPr>
+            <p:ph idx="1"/>
+          </p:nvPr>
+        </p:nvSpPr>
+        <p:spPr/>
+        <p:txBody>
+          <a:bodyPr/>
+          <a:lstStyle/>
+          <a:p>
+            <a:r>
+              <a:rPr lang="en-US" dirty="0"/>
+              <a:t>Headings</a:t>
+            </a:r>
+          </a:p>
+          <a:p>
+            <a:r>
+              <a:rPr lang="en-US" dirty="0"/>
+              <a:t>Paragraphs</a:t>
+            </a:r>
+          </a:p>
+          <a:p>
+            <a:r>
+              <a:rPr lang="en-US" dirty="0"/>
+              <a:t>Bold</a:t>
+            </a:r>
+          </a:p>
+          <a:p>
+            <a:r>
+              <a:rPr lang="en-US" dirty="0"/>
+              <a:t>Italic</a:t>
+            </a:r>
+          </a:p>
+          <a:p>
+            <a:r>
+              <a:rPr lang="en-US" dirty="0"/>
+              <a:t>Underline</a:t>
+            </a:r>
+          </a:p>
+          <a:p>
+            <a:r>
+              <a:rPr lang="en-US" dirty="0"/>
+              <a:t>Strikethrough</a:t>
+            </a:r>
+          </a:p>
+        </p:txBody>
+      </p:sp>
+    </p:spTree>
+    <p:extLst>
+      <p:ext uri="{BB962C8B-B14F-4D97-AF65-F5344CB8AC3E}">
+        <p14:creationId xmlns:p14="http://schemas.microsoft.com/office/powerpoint/2010/main" val="3170515131"/>
+      </p:ext>
+    </p:extLst>
+  </p:cSld>
+  <p:clrMapOvr>
+    <a:masterClrMapping/>
+  </p:clrMapOvr>
+</p:sld>
+</file>
+
+<file path=ppt/slides/slide24.xml><?xml version="1.0" encoding="utf-8"?>
+<p:sld xmlns:a="http://schemas.openxmlformats.org/drawingml/2006/main" xmlns:r="http://schemas.openxmlformats.org/officeDocument/2006/relationships" xmlns:p="http://schemas.openxmlformats.org/presentationml/2006/main">
+  <p:cSld>
+    <p:spTree>
+      <p:nvGrpSpPr>
+        <p:cNvPr id="1" name=""/>
+        <p:cNvGrpSpPr/>
+        <p:nvPr/>
+      </p:nvGrpSpPr>
+      <p:grpSpPr>
+        <a:xfrm>
+          <a:off x="0" y="0"/>
+          <a:ext cx="0" cy="0"/>
+          <a:chOff x="0" y="0"/>
+          <a:chExt cx="0" cy="0"/>
+        </a:xfrm>
+      </p:grpSpPr>
+      <p:sp>
+        <p:nvSpPr>
+          <p:cNvPr id="2" name="Title 1">
+            <a:extLst>
+              <a:ext uri="{FF2B5EF4-FFF2-40B4-BE49-F238E27FC236}">
+                <a16:creationId xmlns:a16="http://schemas.microsoft.com/office/drawing/2014/main" id="{66EFEFBC-93D9-3B79-41D5-345CEC0CA45D}"/>
+              </a:ext>
+            </a:extLst>
+          </p:cNvPr>
+          <p:cNvSpPr>
+            <a:spLocks noGrp="1"/>
+          </p:cNvSpPr>
+          <p:nvPr>
+            <p:ph type="title"/>
+          </p:nvPr>
+        </p:nvSpPr>
+        <p:spPr/>
+        <p:txBody>
+          <a:bodyPr/>
+          <a:lstStyle/>
+          <a:p>
+            <a:r>
+              <a:rPr lang="en-US" dirty="0"/>
+              <a:t>Text Formatting</a:t>
+            </a:r>
+          </a:p>
+        </p:txBody>
+      </p:sp>
+      <p:sp>
+        <p:nvSpPr>
+          <p:cNvPr id="3" name="Content Placeholder 2">
+            <a:extLst>
+              <a:ext uri="{FF2B5EF4-FFF2-40B4-BE49-F238E27FC236}">
+                <a16:creationId xmlns:a16="http://schemas.microsoft.com/office/drawing/2014/main" id="{51291D71-9C97-9D2C-FC56-1C1D33DD84AF}"/>
+              </a:ext>
+            </a:extLst>
+          </p:cNvPr>
+          <p:cNvSpPr>
+            <a:spLocks noGrp="1"/>
+          </p:cNvSpPr>
+          <p:nvPr>
+            <p:ph idx="1"/>
+          </p:nvPr>
+        </p:nvSpPr>
+        <p:spPr/>
+        <p:txBody>
+          <a:bodyPr/>
+          <a:lstStyle/>
+          <a:p>
+            <a:r>
+              <a:rPr lang="en-US" dirty="0"/>
+              <a:t>Sub Script</a:t>
+            </a:r>
+          </a:p>
+          <a:p>
+            <a:r>
+              <a:rPr lang="en-US" dirty="0"/>
+              <a:t>Super Script</a:t>
+            </a:r>
+          </a:p>
+          <a:p>
+            <a:r>
+              <a:rPr lang="en-US" dirty="0"/>
+              <a:t>Break</a:t>
+            </a:r>
+          </a:p>
+          <a:p>
+            <a:r>
+              <a:rPr lang="en-US" dirty="0"/>
+              <a:t>Non-Breaking space</a:t>
+            </a:r>
+          </a:p>
+        </p:txBody>
+      </p:sp>
+    </p:spTree>
+    <p:extLst>
+      <p:ext uri="{BB962C8B-B14F-4D97-AF65-F5344CB8AC3E}">
+        <p14:creationId xmlns:p14="http://schemas.microsoft.com/office/powerpoint/2010/main" val="2279527462"/>
       </p:ext>
     </p:extLst>
   </p:cSld>
@@ -3885,7 +5108,7 @@
           <p:cNvPr id="2" name="Title 1">
             <a:extLst>
               <a:ext uri="{FF2B5EF4-FFF2-40B4-BE49-F238E27FC236}">
-                <a16:creationId xmlns:a16="http://schemas.microsoft.com/office/drawing/2014/main" id="{2967E9D3-9420-04E7-6D33-F818A4CE73D1}"/>
+                <a16:creationId xmlns:a16="http://schemas.microsoft.com/office/drawing/2014/main" id="{5D30A6C1-27B7-396A-8220-A7D0C456B925}"/>
               </a:ext>
             </a:extLst>
           </p:cNvPr>
@@ -3903,7 +5126,7 @@
           <a:p>
             <a:r>
               <a:rPr lang="en-US" dirty="0"/>
-              <a:t>What is Git?</a:t>
+              <a:t>What is Version Control ?</a:t>
             </a:r>
           </a:p>
         </p:txBody>
@@ -3913,7 +5136,7 @@
           <p:cNvPr id="3" name="Content Placeholder 2">
             <a:extLst>
               <a:ext uri="{FF2B5EF4-FFF2-40B4-BE49-F238E27FC236}">
-                <a16:creationId xmlns:a16="http://schemas.microsoft.com/office/drawing/2014/main" id="{BEA4C905-8E4B-DBCD-3A99-DC1F59D9E4A1}"/>
+                <a16:creationId xmlns:a16="http://schemas.microsoft.com/office/drawing/2014/main" id="{16A767BE-B0BF-BE5E-E2A1-C577EC113316}"/>
               </a:ext>
             </a:extLst>
           </p:cNvPr>
@@ -3931,53 +5154,24 @@
           <a:p>
             <a:r>
               <a:rPr lang="en-US" dirty="0"/>
-              <a:t>Global information Tracker</a:t>
-            </a:r>
-          </a:p>
-          <a:p>
-            <a:r>
-              <a:rPr lang="en-US" dirty="0"/>
-              <a:t>Gist is a distributed version control system</a:t>
-            </a:r>
-          </a:p>
-          <a:p>
-            <a:r>
-              <a:rPr lang="en-US" dirty="0"/>
-              <a:t>Every dev has a working copy of the code and full change history on their local machine.</a:t>
-            </a:r>
-          </a:p>
-          <a:p>
-            <a:r>
-              <a:rPr lang="en-US" dirty="0"/>
-              <a:t>Started in 2005</a:t>
-            </a:r>
-          </a:p>
-          <a:p>
-            <a:r>
-              <a:rPr lang="en-US" dirty="0"/>
-              <a:t>Created by </a:t>
-            </a:r>
-            <a:r>
-              <a:rPr lang="en-US" dirty="0" err="1"/>
-              <a:t>linus</a:t>
-            </a:r>
-            <a:r>
-              <a:rPr lang="en-US" dirty="0"/>
-              <a:t> Torvald to aid in Linux kernel development</a:t>
-            </a:r>
-          </a:p>
-          <a:p>
-            <a:r>
-              <a:rPr lang="en-US" dirty="0"/>
-              <a:t>Git is a CLI based tool which is used for every version of your code.</a:t>
-            </a:r>
+              <a:t>A system keeps records for changes</a:t>
+            </a:r>
+          </a:p>
+          <a:p>
+            <a:r>
+              <a:rPr lang="en-US" dirty="0"/>
+              <a:t>Allows for collaborative development</a:t>
+            </a:r>
+          </a:p>
+          <a:p>
+            <a:endParaRPr lang="en-US" dirty="0"/>
           </a:p>
         </p:txBody>
       </p:sp>
     </p:spTree>
     <p:extLst>
       <p:ext uri="{BB962C8B-B14F-4D97-AF65-F5344CB8AC3E}">
-        <p14:creationId xmlns:p14="http://schemas.microsoft.com/office/powerpoint/2010/main" val="2422180751"/>
+        <p14:creationId xmlns:p14="http://schemas.microsoft.com/office/powerpoint/2010/main" val="680121722"/>
       </p:ext>
     </p:extLst>
   </p:cSld>
@@ -4009,7 +5203,7 @@
           <p:cNvPr id="2" name="Title 1">
             <a:extLst>
               <a:ext uri="{FF2B5EF4-FFF2-40B4-BE49-F238E27FC236}">
-                <a16:creationId xmlns:a16="http://schemas.microsoft.com/office/drawing/2014/main" id="{B1A56657-2274-C5F4-C0D0-3FED139E2948}"/>
+                <a16:creationId xmlns:a16="http://schemas.microsoft.com/office/drawing/2014/main" id="{2967E9D3-9420-04E7-6D33-F818A4CE73D1}"/>
               </a:ext>
             </a:extLst>
           </p:cNvPr>
@@ -4027,7 +5221,7 @@
           <a:p>
             <a:r>
               <a:rPr lang="en-US" dirty="0"/>
-              <a:t>How does git works</a:t>
+              <a:t>What is Git?</a:t>
             </a:r>
           </a:p>
         </p:txBody>
@@ -4037,7 +5231,7 @@
           <p:cNvPr id="3" name="Content Placeholder 2">
             <a:extLst>
               <a:ext uri="{FF2B5EF4-FFF2-40B4-BE49-F238E27FC236}">
-                <a16:creationId xmlns:a16="http://schemas.microsoft.com/office/drawing/2014/main" id="{4C932DEE-A191-0410-6394-0D5056F64876}"/>
+                <a16:creationId xmlns:a16="http://schemas.microsoft.com/office/drawing/2014/main" id="{BEA4C905-8E4B-DBCD-3A99-DC1F59D9E4A1}"/>
               </a:ext>
             </a:extLst>
           </p:cNvPr>
@@ -4055,46 +5249,45 @@
           <a:p>
             <a:r>
               <a:rPr lang="en-US" dirty="0"/>
-              <a:t>Commit</a:t>
-            </a:r>
-          </a:p>
-          <a:p>
-            <a:r>
-              <a:rPr lang="en-US" dirty="0"/>
-              <a:t>Repositories</a:t>
-            </a:r>
-          </a:p>
-          <a:p>
-            <a:pPr lvl="1"/>
-            <a:r>
-              <a:rPr lang="en-US" dirty="0"/>
-              <a:t>Cloning</a:t>
-            </a:r>
-          </a:p>
-          <a:p>
-            <a:pPr lvl="1"/>
-            <a:r>
-              <a:rPr lang="en-US" dirty="0"/>
-              <a:t>Pulling</a:t>
-            </a:r>
-          </a:p>
-          <a:p>
-            <a:pPr lvl="1"/>
-            <a:r>
-              <a:rPr lang="en-US" dirty="0"/>
-              <a:t>Pushing</a:t>
-            </a:r>
-          </a:p>
-          <a:p>
-            <a:r>
-              <a:rPr lang="en-US" dirty="0"/>
-              <a:t>Branches</a:t>
-            </a:r>
-          </a:p>
-          <a:p>
-            <a:r>
-              <a:rPr lang="en-US" dirty="0"/>
-              <a:t>Merging</a:t>
+              <a:t>Global information Tracker</a:t>
+            </a:r>
+          </a:p>
+          <a:p>
+            <a:r>
+              <a:rPr lang="en-US" dirty="0"/>
+              <a:t>Gist is a distributed version control system</a:t>
+            </a:r>
+          </a:p>
+          <a:p>
+            <a:r>
+              <a:rPr lang="en-US" dirty="0"/>
+              <a:t>Every dev has a working copy of the code and full change history on their local machine.</a:t>
+            </a:r>
+          </a:p>
+          <a:p>
+            <a:r>
+              <a:rPr lang="en-US" dirty="0"/>
+              <a:t>Started in 2005</a:t>
+            </a:r>
+          </a:p>
+          <a:p>
+            <a:r>
+              <a:rPr lang="en-US" dirty="0"/>
+              <a:t>Created by </a:t>
+            </a:r>
+            <a:r>
+              <a:rPr lang="en-US" dirty="0" err="1"/>
+              <a:t>linus</a:t>
+            </a:r>
+            <a:r>
+              <a:rPr lang="en-US" dirty="0"/>
+              <a:t> Torvald to aid in Linux kernel development</a:t>
+            </a:r>
+          </a:p>
+          <a:p>
+            <a:r>
+              <a:rPr lang="en-US" dirty="0"/>
+              <a:t>Git is a CLI based tool which is used for every version of your code.</a:t>
             </a:r>
           </a:p>
         </p:txBody>
@@ -4102,7 +5295,7 @@
     </p:spTree>
     <p:extLst>
       <p:ext uri="{BB962C8B-B14F-4D97-AF65-F5344CB8AC3E}">
-        <p14:creationId xmlns:p14="http://schemas.microsoft.com/office/powerpoint/2010/main" val="2971760813"/>
+        <p14:creationId xmlns:p14="http://schemas.microsoft.com/office/powerpoint/2010/main" val="2422180751"/>
       </p:ext>
     </p:extLst>
   </p:cSld>
@@ -4134,7 +5327,7 @@
           <p:cNvPr id="2" name="Title 1">
             <a:extLst>
               <a:ext uri="{FF2B5EF4-FFF2-40B4-BE49-F238E27FC236}">
-                <a16:creationId xmlns:a16="http://schemas.microsoft.com/office/drawing/2014/main" id="{D8396C0A-D991-F879-DD29-31E5F097BC2C}"/>
+                <a16:creationId xmlns:a16="http://schemas.microsoft.com/office/drawing/2014/main" id="{B1A56657-2274-C5F4-C0D0-3FED139E2948}"/>
               </a:ext>
             </a:extLst>
           </p:cNvPr>
@@ -4152,35 +5345,74 @@
           <a:p>
             <a:r>
               <a:rPr lang="en-US" dirty="0"/>
+              <a:t>How does git works</a:t>
+            </a:r>
+          </a:p>
+        </p:txBody>
+      </p:sp>
+      <p:sp>
+        <p:nvSpPr>
+          <p:cNvPr id="3" name="Content Placeholder 2">
+            <a:extLst>
+              <a:ext uri="{FF2B5EF4-FFF2-40B4-BE49-F238E27FC236}">
+                <a16:creationId xmlns:a16="http://schemas.microsoft.com/office/drawing/2014/main" id="{4C932DEE-A191-0410-6394-0D5056F64876}"/>
+              </a:ext>
+            </a:extLst>
+          </p:cNvPr>
+          <p:cNvSpPr>
+            <a:spLocks noGrp="1"/>
+          </p:cNvSpPr>
+          <p:nvPr>
+            <p:ph idx="1"/>
+          </p:nvPr>
+        </p:nvSpPr>
+        <p:spPr/>
+        <p:txBody>
+          <a:bodyPr/>
+          <a:lstStyle/>
+          <a:p>
+            <a:r>
+              <a:rPr lang="en-US" dirty="0"/>
               <a:t>Commit</a:t>
             </a:r>
           </a:p>
-        </p:txBody>
-      </p:sp>
-      <p:sp>
-        <p:nvSpPr>
-          <p:cNvPr id="3" name="Content Placeholder 2">
-            <a:extLst>
-              <a:ext uri="{FF2B5EF4-FFF2-40B4-BE49-F238E27FC236}">
-                <a16:creationId xmlns:a16="http://schemas.microsoft.com/office/drawing/2014/main" id="{B114A32B-A52C-F8D3-66B6-09D7861BAC8B}"/>
-              </a:ext>
-            </a:extLst>
-          </p:cNvPr>
-          <p:cNvSpPr>
-            <a:spLocks noGrp="1"/>
-          </p:cNvSpPr>
-          <p:nvPr>
-            <p:ph idx="1"/>
-          </p:nvPr>
-        </p:nvSpPr>
-        <p:spPr/>
-        <p:txBody>
-          <a:bodyPr/>
-          <a:lstStyle/>
-          <a:p>
-            <a:r>
-              <a:rPr lang="en-US" dirty="0"/>
-              <a:t>A information about the changed from previous.</a:t>
+          <a:p>
+            <a:r>
+              <a:rPr lang="en-US" dirty="0"/>
+              <a:t>Repositories</a:t>
+            </a:r>
+          </a:p>
+          <a:p>
+            <a:pPr lvl="1"/>
+            <a:r>
+              <a:rPr lang="en-US" dirty="0"/>
+              <a:t>Cloning</a:t>
+            </a:r>
+          </a:p>
+          <a:p>
+            <a:pPr lvl="1"/>
+            <a:r>
+              <a:rPr lang="en-US" dirty="0"/>
+              <a:t>Pulling</a:t>
+            </a:r>
+          </a:p>
+          <a:p>
+            <a:pPr lvl="1"/>
+            <a:r>
+              <a:rPr lang="en-US" dirty="0"/>
+              <a:t>Pushing</a:t>
+            </a:r>
+          </a:p>
+          <a:p>
+            <a:r>
+              <a:rPr lang="en-US" dirty="0"/>
+              <a:t>Branches</a:t>
+            </a:r>
+          </a:p>
+          <a:p>
+            <a:r>
+              <a:rPr lang="en-US" dirty="0"/>
+              <a:t>Merging</a:t>
             </a:r>
           </a:p>
         </p:txBody>
@@ -4188,7 +5420,7 @@
     </p:spTree>
     <p:extLst>
       <p:ext uri="{BB962C8B-B14F-4D97-AF65-F5344CB8AC3E}">
-        <p14:creationId xmlns:p14="http://schemas.microsoft.com/office/powerpoint/2010/main" val="3446244682"/>
+        <p14:creationId xmlns:p14="http://schemas.microsoft.com/office/powerpoint/2010/main" val="2971760813"/>
       </p:ext>
     </p:extLst>
   </p:cSld>
@@ -4220,7 +5452,7 @@
           <p:cNvPr id="2" name="Title 1">
             <a:extLst>
               <a:ext uri="{FF2B5EF4-FFF2-40B4-BE49-F238E27FC236}">
-                <a16:creationId xmlns:a16="http://schemas.microsoft.com/office/drawing/2014/main" id="{BB645544-6BA1-442C-E939-4D4CE596EC31}"/>
+                <a16:creationId xmlns:a16="http://schemas.microsoft.com/office/drawing/2014/main" id="{D8396C0A-D991-F879-DD29-31E5F097BC2C}"/>
               </a:ext>
             </a:extLst>
           </p:cNvPr>
@@ -4238,7 +5470,7 @@
           <a:p>
             <a:r>
               <a:rPr lang="en-US" dirty="0"/>
-              <a:t>Repositories</a:t>
+              <a:t>Commit</a:t>
             </a:r>
           </a:p>
         </p:txBody>
@@ -4248,7 +5480,7 @@
           <p:cNvPr id="3" name="Content Placeholder 2">
             <a:extLst>
               <a:ext uri="{FF2B5EF4-FFF2-40B4-BE49-F238E27FC236}">
-                <a16:creationId xmlns:a16="http://schemas.microsoft.com/office/drawing/2014/main" id="{E33DD646-D40E-33EF-90EF-9A74FF6E90EF}"/>
+                <a16:creationId xmlns:a16="http://schemas.microsoft.com/office/drawing/2014/main" id="{B114A32B-A52C-F8D3-66B6-09D7861BAC8B}"/>
               </a:ext>
             </a:extLst>
           </p:cNvPr>
@@ -4266,19 +5498,7 @@
           <a:p>
             <a:r>
               <a:rPr lang="en-US" dirty="0"/>
-              <a:t>Short form of repo is knows ass repository in GIT</a:t>
-            </a:r>
-          </a:p>
-          <a:p>
-            <a:r>
-              <a:rPr lang="en-US" dirty="0"/>
-              <a:t>It’s a collection of all the files and the history of those files</a:t>
-            </a:r>
-          </a:p>
-          <a:p>
-            <a:r>
-              <a:rPr lang="en-US" dirty="0"/>
-              <a:t>A place where all our hard work is stored</a:t>
+              <a:t>A information about the changed from previous.</a:t>
             </a:r>
           </a:p>
         </p:txBody>
@@ -4286,7 +5506,7 @@
     </p:spTree>
     <p:extLst>
       <p:ext uri="{BB962C8B-B14F-4D97-AF65-F5344CB8AC3E}">
-        <p14:creationId xmlns:p14="http://schemas.microsoft.com/office/powerpoint/2010/main" val="976614041"/>
+        <p14:creationId xmlns:p14="http://schemas.microsoft.com/office/powerpoint/2010/main" val="3446244682"/>
       </p:ext>
     </p:extLst>
   </p:cSld>
@@ -4318,7 +5538,7 @@
           <p:cNvPr id="2" name="Title 1">
             <a:extLst>
               <a:ext uri="{FF2B5EF4-FFF2-40B4-BE49-F238E27FC236}">
-                <a16:creationId xmlns:a16="http://schemas.microsoft.com/office/drawing/2014/main" id="{814BCD38-6649-DD6A-867B-6A5F5B625F24}"/>
+                <a16:creationId xmlns:a16="http://schemas.microsoft.com/office/drawing/2014/main" id="{BB645544-6BA1-442C-E939-4D4CE596EC31}"/>
               </a:ext>
             </a:extLst>
           </p:cNvPr>
@@ -4336,7 +5556,7 @@
           <a:p>
             <a:r>
               <a:rPr lang="en-US" dirty="0"/>
-              <a:t>Repo - cloning</a:t>
+              <a:t>Repositories</a:t>
             </a:r>
           </a:p>
         </p:txBody>
@@ -4346,7 +5566,7 @@
           <p:cNvPr id="3" name="Content Placeholder 2">
             <a:extLst>
               <a:ext uri="{FF2B5EF4-FFF2-40B4-BE49-F238E27FC236}">
-                <a16:creationId xmlns:a16="http://schemas.microsoft.com/office/drawing/2014/main" id="{24A6DA03-75B6-C9EA-D84B-45F0A7D70C0F}"/>
+                <a16:creationId xmlns:a16="http://schemas.microsoft.com/office/drawing/2014/main" id="{E33DD646-D40E-33EF-90EF-9A74FF6E90EF}"/>
               </a:ext>
             </a:extLst>
           </p:cNvPr>
@@ -4364,13 +5584,19 @@
           <a:p>
             <a:r>
               <a:rPr lang="en-US" dirty="0"/>
-              <a:t>The act of copying a repository from a remote server is called cloning.</a:t>
-            </a:r>
-          </a:p>
-          <a:p>
-            <a:r>
-              <a:rPr lang="en-US" dirty="0"/>
-              <a:t>Cloning from a remote server allows teams to work together.</a:t>
+              <a:t>Short form of repo is knows ass repository in GIT</a:t>
+            </a:r>
+          </a:p>
+          <a:p>
+            <a:r>
+              <a:rPr lang="en-US" dirty="0"/>
+              <a:t>It’s a collection of all the files and the history of those files</a:t>
+            </a:r>
+          </a:p>
+          <a:p>
+            <a:r>
+              <a:rPr lang="en-US" dirty="0"/>
+              <a:t>A place where all our hard work is stored</a:t>
             </a:r>
           </a:p>
         </p:txBody>
@@ -4378,7 +5604,7 @@
     </p:spTree>
     <p:extLst>
       <p:ext uri="{BB962C8B-B14F-4D97-AF65-F5344CB8AC3E}">
-        <p14:creationId xmlns:p14="http://schemas.microsoft.com/office/powerpoint/2010/main" val="355865092"/>
+        <p14:creationId xmlns:p14="http://schemas.microsoft.com/office/powerpoint/2010/main" val="976614041"/>
       </p:ext>
     </p:extLst>
   </p:cSld>
@@ -4410,7 +5636,7 @@
           <p:cNvPr id="2" name="Title 1">
             <a:extLst>
               <a:ext uri="{FF2B5EF4-FFF2-40B4-BE49-F238E27FC236}">
-                <a16:creationId xmlns:a16="http://schemas.microsoft.com/office/drawing/2014/main" id="{4F472E69-5865-D4DF-DBA0-232410785419}"/>
+                <a16:creationId xmlns:a16="http://schemas.microsoft.com/office/drawing/2014/main" id="{814BCD38-6649-DD6A-867B-6A5F5B625F24}"/>
               </a:ext>
             </a:extLst>
           </p:cNvPr>
@@ -4428,7 +5654,7 @@
           <a:p>
             <a:r>
               <a:rPr lang="en-US" dirty="0"/>
-              <a:t>Repo-Pulling</a:t>
+              <a:t>Repo - cloning</a:t>
             </a:r>
           </a:p>
         </p:txBody>
@@ -4438,7 +5664,7 @@
           <p:cNvPr id="3" name="Content Placeholder 2">
             <a:extLst>
               <a:ext uri="{FF2B5EF4-FFF2-40B4-BE49-F238E27FC236}">
-                <a16:creationId xmlns:a16="http://schemas.microsoft.com/office/drawing/2014/main" id="{EF56BB72-F8D6-1E84-9368-8FE9CDA9CA91}"/>
+                <a16:creationId xmlns:a16="http://schemas.microsoft.com/office/drawing/2014/main" id="{24A6DA03-75B6-C9EA-D84B-45F0A7D70C0F}"/>
               </a:ext>
             </a:extLst>
           </p:cNvPr>
@@ -4456,15 +5682,13 @@
           <a:p>
             <a:r>
               <a:rPr lang="en-US" dirty="0"/>
-              <a:t>The process of downloading commits that don’t exist in our local machine from a remote </a:t>
-            </a:r>
-            <a:r>
-              <a:rPr lang="en-US" dirty="0" err="1"/>
-              <a:t>rpeo</a:t>
-            </a:r>
-            <a:r>
-              <a:rPr lang="en-US" dirty="0"/>
-              <a:t> is called pulling.</a:t>
+              <a:t>The act of copying a repository from a remote server is called cloning.</a:t>
+            </a:r>
+          </a:p>
+          <a:p>
+            <a:r>
+              <a:rPr lang="en-US" dirty="0"/>
+              <a:t>Cloning from a remote server allows teams to work together.</a:t>
             </a:r>
           </a:p>
         </p:txBody>
@@ -4472,7 +5696,7 @@
     </p:spTree>
     <p:extLst>
       <p:ext uri="{BB962C8B-B14F-4D97-AF65-F5344CB8AC3E}">
-        <p14:creationId xmlns:p14="http://schemas.microsoft.com/office/powerpoint/2010/main" val="253622565"/>
+        <p14:creationId xmlns:p14="http://schemas.microsoft.com/office/powerpoint/2010/main" val="355865092"/>
       </p:ext>
     </p:extLst>
   </p:cSld>
@@ -4504,7 +5728,7 @@
           <p:cNvPr id="2" name="Title 1">
             <a:extLst>
               <a:ext uri="{FF2B5EF4-FFF2-40B4-BE49-F238E27FC236}">
-                <a16:creationId xmlns:a16="http://schemas.microsoft.com/office/drawing/2014/main" id="{D0CD1EF3-9B58-0F00-EC48-22CC23190A4A}"/>
+                <a16:creationId xmlns:a16="http://schemas.microsoft.com/office/drawing/2014/main" id="{4F472E69-5865-D4DF-DBA0-232410785419}"/>
               </a:ext>
             </a:extLst>
           </p:cNvPr>
@@ -4522,7 +5746,7 @@
           <a:p>
             <a:r>
               <a:rPr lang="en-US" dirty="0"/>
-              <a:t>Repo-pushing</a:t>
+              <a:t>Repo-Pulling</a:t>
             </a:r>
           </a:p>
         </p:txBody>
@@ -4532,7 +5756,7 @@
           <p:cNvPr id="3" name="Content Placeholder 2">
             <a:extLst>
               <a:ext uri="{FF2B5EF4-FFF2-40B4-BE49-F238E27FC236}">
-                <a16:creationId xmlns:a16="http://schemas.microsoft.com/office/drawing/2014/main" id="{87F3E619-E863-DBB6-72F9-36D7D9DA50E6}"/>
+                <a16:creationId xmlns:a16="http://schemas.microsoft.com/office/drawing/2014/main" id="{EF56BB72-F8D6-1E84-9368-8FE9CDA9CA91}"/>
               </a:ext>
             </a:extLst>
           </p:cNvPr>
@@ -4550,7 +5774,15 @@
           <a:p>
             <a:r>
               <a:rPr lang="en-US" dirty="0"/>
-              <a:t>The process of adding our local changes to the remote repository is called pushing.</a:t>
+              <a:t>The process of downloading commits that don’t exist in our local machine from a remote </a:t>
+            </a:r>
+            <a:r>
+              <a:rPr lang="en-US" dirty="0" err="1"/>
+              <a:t>rpeo</a:t>
+            </a:r>
+            <a:r>
+              <a:rPr lang="en-US" dirty="0"/>
+              <a:t> is called pulling.</a:t>
             </a:r>
           </a:p>
         </p:txBody>
@@ -4558,7 +5790,7 @@
     </p:spTree>
     <p:extLst>
       <p:ext uri="{BB962C8B-B14F-4D97-AF65-F5344CB8AC3E}">
-        <p14:creationId xmlns:p14="http://schemas.microsoft.com/office/powerpoint/2010/main" val="925931753"/>
+        <p14:creationId xmlns:p14="http://schemas.microsoft.com/office/powerpoint/2010/main" val="253622565"/>
       </p:ext>
     </p:extLst>
   </p:cSld>

--- a/Git and Github.pptx
+++ b/Git and Github.pptx
@@ -18,17 +18,7 @@
     <p:sldId id="265" r:id="rId12"/>
     <p:sldId id="266" r:id="rId13"/>
     <p:sldId id="267" r:id="rId14"/>
-    <p:sldId id="268" r:id="rId15"/>
-    <p:sldId id="270" r:id="rId16"/>
-    <p:sldId id="271" r:id="rId17"/>
-    <p:sldId id="272" r:id="rId18"/>
-    <p:sldId id="273" r:id="rId19"/>
-    <p:sldId id="274" r:id="rId20"/>
-    <p:sldId id="275" r:id="rId21"/>
-    <p:sldId id="276" r:id="rId22"/>
-    <p:sldId id="277" r:id="rId23"/>
-    <p:sldId id="278" r:id="rId24"/>
-    <p:sldId id="279" r:id="rId25"/>
+    <p:sldId id="270" r:id="rId15"/>
   </p:sldIdLst>
   <p:sldSz cx="12192000" cy="6858000"/>
   <p:notesSz cx="6858000" cy="9144000"/>
@@ -282,7 +272,7 @@
           <a:p>
             <a:fld id="{2DAE6E7F-DEE0-4B38-99CD-CBB24213280C}" type="datetimeFigureOut">
               <a:rPr lang="en-US" smtClean="0"/>
-              <a:t>10/15/2024</a:t>
+              <a:t>10/16/2024</a:t>
             </a:fld>
             <a:endParaRPr lang="en-US"/>
           </a:p>
@@ -480,7 +470,7 @@
           <a:p>
             <a:fld id="{2DAE6E7F-DEE0-4B38-99CD-CBB24213280C}" type="datetimeFigureOut">
               <a:rPr lang="en-US" smtClean="0"/>
-              <a:t>10/15/2024</a:t>
+              <a:t>10/16/2024</a:t>
             </a:fld>
             <a:endParaRPr lang="en-US"/>
           </a:p>
@@ -688,7 +678,7 @@
           <a:p>
             <a:fld id="{2DAE6E7F-DEE0-4B38-99CD-CBB24213280C}" type="datetimeFigureOut">
               <a:rPr lang="en-US" smtClean="0"/>
-              <a:t>10/15/2024</a:t>
+              <a:t>10/16/2024</a:t>
             </a:fld>
             <a:endParaRPr lang="en-US"/>
           </a:p>
@@ -886,7 +876,7 @@
           <a:p>
             <a:fld id="{2DAE6E7F-DEE0-4B38-99CD-CBB24213280C}" type="datetimeFigureOut">
               <a:rPr lang="en-US" smtClean="0"/>
-              <a:t>10/15/2024</a:t>
+              <a:t>10/16/2024</a:t>
             </a:fld>
             <a:endParaRPr lang="en-US"/>
           </a:p>
@@ -1161,7 +1151,7 @@
           <a:p>
             <a:fld id="{2DAE6E7F-DEE0-4B38-99CD-CBB24213280C}" type="datetimeFigureOut">
               <a:rPr lang="en-US" smtClean="0"/>
-              <a:t>10/15/2024</a:t>
+              <a:t>10/16/2024</a:t>
             </a:fld>
             <a:endParaRPr lang="en-US"/>
           </a:p>
@@ -1426,7 +1416,7 @@
           <a:p>
             <a:fld id="{2DAE6E7F-DEE0-4B38-99CD-CBB24213280C}" type="datetimeFigureOut">
               <a:rPr lang="en-US" smtClean="0"/>
-              <a:t>10/15/2024</a:t>
+              <a:t>10/16/2024</a:t>
             </a:fld>
             <a:endParaRPr lang="en-US"/>
           </a:p>
@@ -1838,7 +1828,7 @@
           <a:p>
             <a:fld id="{2DAE6E7F-DEE0-4B38-99CD-CBB24213280C}" type="datetimeFigureOut">
               <a:rPr lang="en-US" smtClean="0"/>
-              <a:t>10/15/2024</a:t>
+              <a:t>10/16/2024</a:t>
             </a:fld>
             <a:endParaRPr lang="en-US"/>
           </a:p>
@@ -1979,7 +1969,7 @@
           <a:p>
             <a:fld id="{2DAE6E7F-DEE0-4B38-99CD-CBB24213280C}" type="datetimeFigureOut">
               <a:rPr lang="en-US" smtClean="0"/>
-              <a:t>10/15/2024</a:t>
+              <a:t>10/16/2024</a:t>
             </a:fld>
             <a:endParaRPr lang="en-US"/>
           </a:p>
@@ -2092,7 +2082,7 @@
           <a:p>
             <a:fld id="{2DAE6E7F-DEE0-4B38-99CD-CBB24213280C}" type="datetimeFigureOut">
               <a:rPr lang="en-US" smtClean="0"/>
-              <a:t>10/15/2024</a:t>
+              <a:t>10/16/2024</a:t>
             </a:fld>
             <a:endParaRPr lang="en-US"/>
           </a:p>
@@ -2403,7 +2393,7 @@
           <a:p>
             <a:fld id="{2DAE6E7F-DEE0-4B38-99CD-CBB24213280C}" type="datetimeFigureOut">
               <a:rPr lang="en-US" smtClean="0"/>
-              <a:t>10/15/2024</a:t>
+              <a:t>10/16/2024</a:t>
             </a:fld>
             <a:endParaRPr lang="en-US"/>
           </a:p>
@@ -2691,7 +2681,7 @@
           <a:p>
             <a:fld id="{2DAE6E7F-DEE0-4B38-99CD-CBB24213280C}" type="datetimeFigureOut">
               <a:rPr lang="en-US" smtClean="0"/>
-              <a:t>10/15/2024</a:t>
+              <a:t>10/16/2024</a:t>
             </a:fld>
             <a:endParaRPr lang="en-US"/>
           </a:p>
@@ -2932,7 +2922,7 @@
           <a:p>
             <a:fld id="{2DAE6E7F-DEE0-4B38-99CD-CBB24213280C}" type="datetimeFigureOut">
               <a:rPr lang="en-US" smtClean="0"/>
-              <a:t>10/15/2024</a:t>
+              <a:t>10/16/2024</a:t>
             </a:fld>
             <a:endParaRPr lang="en-US"/>
           </a:p>
@@ -3812,7 +3802,7 @@
           <p:cNvPr id="2" name="Title 1">
             <a:extLst>
               <a:ext uri="{FF2B5EF4-FFF2-40B4-BE49-F238E27FC236}">
-                <a16:creationId xmlns:a16="http://schemas.microsoft.com/office/drawing/2014/main" id="{0EF48800-A8FE-7FCE-3623-AB51B73266C5}"/>
+                <a16:creationId xmlns:a16="http://schemas.microsoft.com/office/drawing/2014/main" id="{ACE1CFB0-19DC-94D0-CB6F-B3196CB481E1}"/>
               </a:ext>
             </a:extLst>
           </p:cNvPr>
@@ -3828,10 +3818,7 @@
           <a:bodyPr/>
           <a:lstStyle/>
           <a:p>
-            <a:r>
-              <a:rPr lang="en-US" dirty="0"/>
-              <a:t>Why learn HTML?</a:t>
-            </a:r>
+            <a:endParaRPr lang="en-US"/>
           </a:p>
         </p:txBody>
       </p:sp>
@@ -3840,7 +3827,7 @@
           <p:cNvPr id="3" name="Content Placeholder 2">
             <a:extLst>
               <a:ext uri="{FF2B5EF4-FFF2-40B4-BE49-F238E27FC236}">
-                <a16:creationId xmlns:a16="http://schemas.microsoft.com/office/drawing/2014/main" id="{244A05CB-B013-BEC7-9020-F0214594D159}"/>
+                <a16:creationId xmlns:a16="http://schemas.microsoft.com/office/drawing/2014/main" id="{0DA5E8F8-B23F-1894-2902-D5CDA6C2B373}"/>
               </a:ext>
             </a:extLst>
           </p:cNvPr>
@@ -3856,606 +3843,14 @@
           <a:bodyPr/>
           <a:lstStyle/>
           <a:p>
-            <a:r>
-              <a:rPr lang="en-US" dirty="0"/>
-              <a:t>Website/ Web Pages</a:t>
-            </a:r>
-          </a:p>
-        </p:txBody>
-      </p:sp>
-      <p:sp>
-        <p:nvSpPr>
-          <p:cNvPr id="4" name="Title 1">
-            <a:extLst>
-              <a:ext uri="{FF2B5EF4-FFF2-40B4-BE49-F238E27FC236}">
-                <a16:creationId xmlns:a16="http://schemas.microsoft.com/office/drawing/2014/main" id="{494D2BF0-CA5F-4C66-3035-3462D08D4650}"/>
-              </a:ext>
-            </a:extLst>
-          </p:cNvPr>
-          <p:cNvSpPr txBox="1">
-            <a:spLocks/>
-          </p:cNvSpPr>
-          <p:nvPr/>
-        </p:nvSpPr>
-        <p:spPr>
-          <a:xfrm>
-            <a:off x="838200" y="2675731"/>
-            <a:ext cx="10515600" cy="1997869"/>
-          </a:xfrm>
-          <a:prstGeom prst="rect">
-            <a:avLst/>
-          </a:prstGeom>
-        </p:spPr>
-        <p:txBody>
-          <a:bodyPr vert="horz" lIns="91440" tIns="45720" rIns="91440" bIns="45720" rtlCol="0" anchor="ctr">
-            <a:normAutofit/>
-          </a:bodyPr>
-          <a:lstStyle>
-            <a:lvl1pPr algn="l" defTabSz="914400" rtl="0" eaLnBrk="1" latinLnBrk="0" hangingPunct="1">
-              <a:lnSpc>
-                <a:spcPct val="90000"/>
-              </a:lnSpc>
-              <a:spcBef>
-                <a:spcPct val="0"/>
-              </a:spcBef>
-              <a:buNone/>
-              <a:defRPr sz="4400" kern="1200">
-                <a:solidFill>
-                  <a:schemeClr val="tx1"/>
-                </a:solidFill>
-                <a:latin typeface="+mj-lt"/>
-                <a:ea typeface="+mj-ea"/>
-                <a:cs typeface="+mj-cs"/>
-              </a:defRPr>
-            </a:lvl1pPr>
-          </a:lstStyle>
-          <a:p>
-            <a:r>
-              <a:rPr lang="en-US" dirty="0"/>
-              <a:t>Which HTML version</a:t>
-            </a:r>
-          </a:p>
-          <a:p>
-            <a:r>
-              <a:rPr lang="en-US" dirty="0"/>
-              <a:t>HTML 5 and HTML 4</a:t>
-            </a:r>
+            <a:endParaRPr lang="en-US"/>
           </a:p>
         </p:txBody>
       </p:sp>
     </p:spTree>
     <p:extLst>
       <p:ext uri="{BB962C8B-B14F-4D97-AF65-F5344CB8AC3E}">
-        <p14:creationId xmlns:p14="http://schemas.microsoft.com/office/powerpoint/2010/main" val="113158430"/>
-      </p:ext>
-    </p:extLst>
-  </p:cSld>
-  <p:clrMapOvr>
-    <a:masterClrMapping/>
-  </p:clrMapOvr>
-</p:sld>
-</file>
-
-<file path=ppt/slides/slide15.xml><?xml version="1.0" encoding="utf-8"?>
-<p:sld xmlns:a="http://schemas.openxmlformats.org/drawingml/2006/main" xmlns:r="http://schemas.openxmlformats.org/officeDocument/2006/relationships" xmlns:p="http://schemas.openxmlformats.org/presentationml/2006/main">
-  <p:cSld>
-    <p:spTree>
-      <p:nvGrpSpPr>
-        <p:cNvPr id="1" name=""/>
-        <p:cNvGrpSpPr/>
-        <p:nvPr/>
-      </p:nvGrpSpPr>
-      <p:grpSpPr>
-        <a:xfrm>
-          <a:off x="0" y="0"/>
-          <a:ext cx="0" cy="0"/>
-          <a:chOff x="0" y="0"/>
-          <a:chExt cx="0" cy="0"/>
-        </a:xfrm>
-      </p:grpSpPr>
-      <p:sp>
-        <p:nvSpPr>
-          <p:cNvPr id="2" name="Title 1">
-            <a:extLst>
-              <a:ext uri="{FF2B5EF4-FFF2-40B4-BE49-F238E27FC236}">
-                <a16:creationId xmlns:a16="http://schemas.microsoft.com/office/drawing/2014/main" id="{6BE3A9FC-6A15-308D-8ECC-C451914B9F6F}"/>
-              </a:ext>
-            </a:extLst>
-          </p:cNvPr>
-          <p:cNvSpPr>
-            <a:spLocks noGrp="1"/>
-          </p:cNvSpPr>
-          <p:nvPr>
-            <p:ph type="title"/>
-          </p:nvPr>
-        </p:nvSpPr>
-        <p:spPr/>
-        <p:txBody>
-          <a:bodyPr/>
-          <a:lstStyle/>
-          <a:p>
-            <a:r>
-              <a:rPr lang="en-US" dirty="0"/>
-              <a:t>Software </a:t>
-            </a:r>
-            <a:r>
-              <a:rPr lang="en-US" dirty="0" err="1"/>
-              <a:t>Requiremetn</a:t>
-            </a:r>
-            <a:endParaRPr lang="en-US" dirty="0"/>
-          </a:p>
-        </p:txBody>
-      </p:sp>
-      <p:sp>
-        <p:nvSpPr>
-          <p:cNvPr id="3" name="Content Placeholder 2">
-            <a:extLst>
-              <a:ext uri="{FF2B5EF4-FFF2-40B4-BE49-F238E27FC236}">
-                <a16:creationId xmlns:a16="http://schemas.microsoft.com/office/drawing/2014/main" id="{8BFD902E-9B49-51BB-783B-09BCEA13A3DA}"/>
-              </a:ext>
-            </a:extLst>
-          </p:cNvPr>
-          <p:cNvSpPr>
-            <a:spLocks noGrp="1"/>
-          </p:cNvSpPr>
-          <p:nvPr>
-            <p:ph idx="1"/>
-          </p:nvPr>
-        </p:nvSpPr>
-        <p:spPr/>
-        <p:txBody>
-          <a:bodyPr/>
-          <a:lstStyle/>
-          <a:p>
-            <a:r>
-              <a:rPr lang="en-US" dirty="0"/>
-              <a:t>HTML editor</a:t>
-            </a:r>
-          </a:p>
-          <a:p>
-            <a:r>
-              <a:rPr lang="en-US" dirty="0"/>
-              <a:t>Browser</a:t>
-            </a:r>
-          </a:p>
-        </p:txBody>
-      </p:sp>
-    </p:spTree>
-    <p:extLst>
-      <p:ext uri="{BB962C8B-B14F-4D97-AF65-F5344CB8AC3E}">
-        <p14:creationId xmlns:p14="http://schemas.microsoft.com/office/powerpoint/2010/main" val="2549053686"/>
-      </p:ext>
-    </p:extLst>
-  </p:cSld>
-  <p:clrMapOvr>
-    <a:masterClrMapping/>
-  </p:clrMapOvr>
-</p:sld>
-</file>
-
-<file path=ppt/slides/slide16.xml><?xml version="1.0" encoding="utf-8"?>
-<p:sld xmlns:a="http://schemas.openxmlformats.org/drawingml/2006/main" xmlns:r="http://schemas.openxmlformats.org/officeDocument/2006/relationships" xmlns:p="http://schemas.openxmlformats.org/presentationml/2006/main">
-  <p:cSld>
-    <p:spTree>
-      <p:nvGrpSpPr>
-        <p:cNvPr id="1" name=""/>
-        <p:cNvGrpSpPr/>
-        <p:nvPr/>
-      </p:nvGrpSpPr>
-      <p:grpSpPr>
-        <a:xfrm>
-          <a:off x="0" y="0"/>
-          <a:ext cx="0" cy="0"/>
-          <a:chOff x="0" y="0"/>
-          <a:chExt cx="0" cy="0"/>
-        </a:xfrm>
-      </p:grpSpPr>
-      <p:sp>
-        <p:nvSpPr>
-          <p:cNvPr id="2" name="Title 1">
-            <a:extLst>
-              <a:ext uri="{FF2B5EF4-FFF2-40B4-BE49-F238E27FC236}">
-                <a16:creationId xmlns:a16="http://schemas.microsoft.com/office/drawing/2014/main" id="{42318878-1928-898F-1F96-AA88B110A3E4}"/>
-              </a:ext>
-            </a:extLst>
-          </p:cNvPr>
-          <p:cNvSpPr>
-            <a:spLocks noGrp="1"/>
-          </p:cNvSpPr>
-          <p:nvPr>
-            <p:ph type="title"/>
-          </p:nvPr>
-        </p:nvSpPr>
-        <p:spPr/>
-        <p:txBody>
-          <a:bodyPr/>
-          <a:lstStyle/>
-          <a:p>
-            <a:r>
-              <a:rPr lang="en-US" dirty="0"/>
-              <a:t>HTML Editor</a:t>
-            </a:r>
-          </a:p>
-        </p:txBody>
-      </p:sp>
-      <p:sp>
-        <p:nvSpPr>
-          <p:cNvPr id="3" name="Content Placeholder 2">
-            <a:extLst>
-              <a:ext uri="{FF2B5EF4-FFF2-40B4-BE49-F238E27FC236}">
-                <a16:creationId xmlns:a16="http://schemas.microsoft.com/office/drawing/2014/main" id="{D66FA7D7-A19C-7BBD-EEBD-35CEE33E55EB}"/>
-              </a:ext>
-            </a:extLst>
-          </p:cNvPr>
-          <p:cNvSpPr>
-            <a:spLocks noGrp="1"/>
-          </p:cNvSpPr>
-          <p:nvPr>
-            <p:ph idx="1"/>
-          </p:nvPr>
-        </p:nvSpPr>
-        <p:spPr/>
-        <p:txBody>
-          <a:bodyPr/>
-          <a:lstStyle/>
-          <a:p>
-            <a:r>
-              <a:rPr lang="en-US" dirty="0"/>
-              <a:t>Notepad</a:t>
-            </a:r>
-          </a:p>
-          <a:p>
-            <a:r>
-              <a:rPr lang="en-US" dirty="0"/>
-              <a:t>notepad++</a:t>
-            </a:r>
-          </a:p>
-          <a:p>
-            <a:r>
-              <a:rPr lang="en-US" dirty="0"/>
-              <a:t>Sublime</a:t>
-            </a:r>
-          </a:p>
-          <a:p>
-            <a:r>
-              <a:rPr lang="en-US" dirty="0"/>
-              <a:t>Atom</a:t>
-            </a:r>
-          </a:p>
-          <a:p>
-            <a:r>
-              <a:rPr lang="en-US" dirty="0"/>
-              <a:t>Vs Code</a:t>
-            </a:r>
-          </a:p>
-        </p:txBody>
-      </p:sp>
-    </p:spTree>
-    <p:extLst>
-      <p:ext uri="{BB962C8B-B14F-4D97-AF65-F5344CB8AC3E}">
-        <p14:creationId xmlns:p14="http://schemas.microsoft.com/office/powerpoint/2010/main" val="1500821570"/>
-      </p:ext>
-    </p:extLst>
-  </p:cSld>
-  <p:clrMapOvr>
-    <a:masterClrMapping/>
-  </p:clrMapOvr>
-</p:sld>
-</file>
-
-<file path=ppt/slides/slide17.xml><?xml version="1.0" encoding="utf-8"?>
-<p:sld xmlns:a="http://schemas.openxmlformats.org/drawingml/2006/main" xmlns:r="http://schemas.openxmlformats.org/officeDocument/2006/relationships" xmlns:p="http://schemas.openxmlformats.org/presentationml/2006/main">
-  <p:cSld>
-    <p:spTree>
-      <p:nvGrpSpPr>
-        <p:cNvPr id="1" name=""/>
-        <p:cNvGrpSpPr/>
-        <p:nvPr/>
-      </p:nvGrpSpPr>
-      <p:grpSpPr>
-        <a:xfrm>
-          <a:off x="0" y="0"/>
-          <a:ext cx="0" cy="0"/>
-          <a:chOff x="0" y="0"/>
-          <a:chExt cx="0" cy="0"/>
-        </a:xfrm>
-      </p:grpSpPr>
-      <p:sp>
-        <p:nvSpPr>
-          <p:cNvPr id="2" name="Title 1">
-            <a:extLst>
-              <a:ext uri="{FF2B5EF4-FFF2-40B4-BE49-F238E27FC236}">
-                <a16:creationId xmlns:a16="http://schemas.microsoft.com/office/drawing/2014/main" id="{4EAFB5C1-3E64-07B6-D4FA-BD94DAF12CB4}"/>
-              </a:ext>
-            </a:extLst>
-          </p:cNvPr>
-          <p:cNvSpPr>
-            <a:spLocks noGrp="1"/>
-          </p:cNvSpPr>
-          <p:nvPr>
-            <p:ph type="title"/>
-          </p:nvPr>
-        </p:nvSpPr>
-        <p:spPr/>
-        <p:txBody>
-          <a:bodyPr/>
-          <a:lstStyle/>
-          <a:p>
-            <a:r>
-              <a:rPr lang="en-US" dirty="0"/>
-              <a:t>Browser</a:t>
-            </a:r>
-          </a:p>
-        </p:txBody>
-      </p:sp>
-      <p:sp>
-        <p:nvSpPr>
-          <p:cNvPr id="3" name="Content Placeholder 2">
-            <a:extLst>
-              <a:ext uri="{FF2B5EF4-FFF2-40B4-BE49-F238E27FC236}">
-                <a16:creationId xmlns:a16="http://schemas.microsoft.com/office/drawing/2014/main" id="{DEB8E373-CDFF-A7C7-BFA8-A41751B649E0}"/>
-              </a:ext>
-            </a:extLst>
-          </p:cNvPr>
-          <p:cNvSpPr>
-            <a:spLocks noGrp="1"/>
-          </p:cNvSpPr>
-          <p:nvPr>
-            <p:ph idx="1"/>
-          </p:nvPr>
-        </p:nvSpPr>
-        <p:spPr/>
-        <p:txBody>
-          <a:bodyPr/>
-          <a:lstStyle/>
-          <a:p>
-            <a:r>
-              <a:rPr lang="en-US" dirty="0"/>
-              <a:t>Chrome</a:t>
-            </a:r>
-          </a:p>
-          <a:p>
-            <a:r>
-              <a:rPr lang="en-US" dirty="0"/>
-              <a:t>Firefox</a:t>
-            </a:r>
-          </a:p>
-          <a:p>
-            <a:r>
-              <a:rPr lang="en-US" dirty="0" err="1"/>
-              <a:t>iE</a:t>
-            </a:r>
-            <a:endParaRPr lang="en-US" dirty="0"/>
-          </a:p>
-          <a:p>
-            <a:r>
-              <a:rPr lang="en-US" dirty="0"/>
-              <a:t>Safari</a:t>
-            </a:r>
-          </a:p>
-          <a:p>
-            <a:r>
-              <a:rPr lang="en-US" dirty="0"/>
-              <a:t>Opera</a:t>
-            </a:r>
-          </a:p>
-        </p:txBody>
-      </p:sp>
-    </p:spTree>
-    <p:extLst>
-      <p:ext uri="{BB962C8B-B14F-4D97-AF65-F5344CB8AC3E}">
-        <p14:creationId xmlns:p14="http://schemas.microsoft.com/office/powerpoint/2010/main" val="2392399350"/>
-      </p:ext>
-    </p:extLst>
-  </p:cSld>
-  <p:clrMapOvr>
-    <a:masterClrMapping/>
-  </p:clrMapOvr>
-</p:sld>
-</file>
-
-<file path=ppt/slides/slide18.xml><?xml version="1.0" encoding="utf-8"?>
-<p:sld xmlns:a="http://schemas.openxmlformats.org/drawingml/2006/main" xmlns:r="http://schemas.openxmlformats.org/officeDocument/2006/relationships" xmlns:p="http://schemas.openxmlformats.org/presentationml/2006/main">
-  <p:cSld>
-    <p:spTree>
-      <p:nvGrpSpPr>
-        <p:cNvPr id="1" name=""/>
-        <p:cNvGrpSpPr/>
-        <p:nvPr/>
-      </p:nvGrpSpPr>
-      <p:grpSpPr>
-        <a:xfrm>
-          <a:off x="0" y="0"/>
-          <a:ext cx="0" cy="0"/>
-          <a:chOff x="0" y="0"/>
-          <a:chExt cx="0" cy="0"/>
-        </a:xfrm>
-      </p:grpSpPr>
-      <p:sp>
-        <p:nvSpPr>
-          <p:cNvPr id="2" name="Title 1">
-            <a:extLst>
-              <a:ext uri="{FF2B5EF4-FFF2-40B4-BE49-F238E27FC236}">
-                <a16:creationId xmlns:a16="http://schemas.microsoft.com/office/drawing/2014/main" id="{F8798D57-536E-5922-83EF-2329C7196C6B}"/>
-              </a:ext>
-            </a:extLst>
-          </p:cNvPr>
-          <p:cNvSpPr>
-            <a:spLocks noGrp="1"/>
-          </p:cNvSpPr>
-          <p:nvPr>
-            <p:ph type="title"/>
-          </p:nvPr>
-        </p:nvSpPr>
-        <p:spPr/>
-        <p:txBody>
-          <a:bodyPr/>
-          <a:lstStyle/>
-          <a:p>
-            <a:r>
-              <a:rPr lang="en-US" dirty="0"/>
-              <a:t>Basic Syntax</a:t>
-            </a:r>
-          </a:p>
-        </p:txBody>
-      </p:sp>
-      <p:sp>
-        <p:nvSpPr>
-          <p:cNvPr id="3" name="Content Placeholder 2">
-            <a:extLst>
-              <a:ext uri="{FF2B5EF4-FFF2-40B4-BE49-F238E27FC236}">
-                <a16:creationId xmlns:a16="http://schemas.microsoft.com/office/drawing/2014/main" id="{46FAA3E0-6732-17CB-155E-B737448CCCF0}"/>
-              </a:ext>
-            </a:extLst>
-          </p:cNvPr>
-          <p:cNvSpPr>
-            <a:spLocks noGrp="1"/>
-          </p:cNvSpPr>
-          <p:nvPr>
-            <p:ph idx="1"/>
-          </p:nvPr>
-        </p:nvSpPr>
-        <p:spPr/>
-        <p:txBody>
-          <a:bodyPr/>
-          <a:lstStyle/>
-          <a:p>
-            <a:pPr marL="0" indent="0">
-              <a:buNone/>
-            </a:pPr>
-            <a:r>
-              <a:rPr lang="en-US" dirty="0"/>
-              <a:t>&lt; &gt;</a:t>
-            </a:r>
-          </a:p>
-          <a:p>
-            <a:pPr marL="0" indent="0">
-              <a:buNone/>
-            </a:pPr>
-            <a:r>
-              <a:rPr lang="en-US" dirty="0"/>
-              <a:t>&lt;tag&gt;</a:t>
-            </a:r>
-          </a:p>
-          <a:p>
-            <a:pPr marL="0" indent="0">
-              <a:buNone/>
-            </a:pPr>
-            <a:r>
-              <a:rPr lang="en-US" dirty="0"/>
-              <a:t>Hello world</a:t>
-            </a:r>
-          </a:p>
-          <a:p>
-            <a:pPr marL="0" indent="0">
-              <a:buNone/>
-            </a:pPr>
-            <a:r>
-              <a:rPr lang="en-US" dirty="0"/>
-              <a:t>&lt;/tag&gt;</a:t>
-            </a:r>
-          </a:p>
-        </p:txBody>
-      </p:sp>
-    </p:spTree>
-    <p:extLst>
-      <p:ext uri="{BB962C8B-B14F-4D97-AF65-F5344CB8AC3E}">
-        <p14:creationId xmlns:p14="http://schemas.microsoft.com/office/powerpoint/2010/main" val="29982207"/>
-      </p:ext>
-    </p:extLst>
-  </p:cSld>
-  <p:clrMapOvr>
-    <a:masterClrMapping/>
-  </p:clrMapOvr>
-</p:sld>
-</file>
-
-<file path=ppt/slides/slide19.xml><?xml version="1.0" encoding="utf-8"?>
-<p:sld xmlns:a="http://schemas.openxmlformats.org/drawingml/2006/main" xmlns:r="http://schemas.openxmlformats.org/officeDocument/2006/relationships" xmlns:p="http://schemas.openxmlformats.org/presentationml/2006/main">
-  <p:cSld>
-    <p:spTree>
-      <p:nvGrpSpPr>
-        <p:cNvPr id="1" name=""/>
-        <p:cNvGrpSpPr/>
-        <p:nvPr/>
-      </p:nvGrpSpPr>
-      <p:grpSpPr>
-        <a:xfrm>
-          <a:off x="0" y="0"/>
-          <a:ext cx="0" cy="0"/>
-          <a:chOff x="0" y="0"/>
-          <a:chExt cx="0" cy="0"/>
-        </a:xfrm>
-      </p:grpSpPr>
-      <p:sp>
-        <p:nvSpPr>
-          <p:cNvPr id="2" name="Title 1">
-            <a:extLst>
-              <a:ext uri="{FF2B5EF4-FFF2-40B4-BE49-F238E27FC236}">
-                <a16:creationId xmlns:a16="http://schemas.microsoft.com/office/drawing/2014/main" id="{9A1574F0-CED8-4893-1BF2-DC961F21E779}"/>
-              </a:ext>
-            </a:extLst>
-          </p:cNvPr>
-          <p:cNvSpPr>
-            <a:spLocks noGrp="1"/>
-          </p:cNvSpPr>
-          <p:nvPr>
-            <p:ph type="title"/>
-          </p:nvPr>
-        </p:nvSpPr>
-        <p:spPr/>
-        <p:txBody>
-          <a:bodyPr/>
-          <a:lstStyle/>
-          <a:p>
-            <a:endParaRPr lang="en-US"/>
-          </a:p>
-        </p:txBody>
-      </p:sp>
-      <p:sp>
-        <p:nvSpPr>
-          <p:cNvPr id="3" name="Content Placeholder 2">
-            <a:extLst>
-              <a:ext uri="{FF2B5EF4-FFF2-40B4-BE49-F238E27FC236}">
-                <a16:creationId xmlns:a16="http://schemas.microsoft.com/office/drawing/2014/main" id="{5E8493A8-6E03-090B-B4F6-4986E1DF4370}"/>
-              </a:ext>
-            </a:extLst>
-          </p:cNvPr>
-          <p:cNvSpPr>
-            <a:spLocks noGrp="1"/>
-          </p:cNvSpPr>
-          <p:nvPr>
-            <p:ph idx="1"/>
-          </p:nvPr>
-        </p:nvSpPr>
-        <p:spPr/>
-        <p:txBody>
-          <a:bodyPr/>
-          <a:lstStyle/>
-          <a:p>
-            <a:pPr marL="0" indent="0">
-              <a:buNone/>
-            </a:pPr>
-            <a:r>
-              <a:rPr lang="en-US" dirty="0"/>
-              <a:t>&lt;html&gt;</a:t>
-            </a:r>
-          </a:p>
-          <a:p>
-            <a:pPr marL="0" indent="0">
-              <a:buNone/>
-            </a:pPr>
-            <a:r>
-              <a:rPr lang="en-US" dirty="0"/>
-              <a:t>	&lt;/html&gt;</a:t>
-            </a:r>
-          </a:p>
-        </p:txBody>
-      </p:sp>
-    </p:spTree>
-    <p:extLst>
-      <p:ext uri="{BB962C8B-B14F-4D97-AF65-F5344CB8AC3E}">
-        <p14:creationId xmlns:p14="http://schemas.microsoft.com/office/powerpoint/2010/main" val="3695145648"/>
+        <p14:creationId xmlns:p14="http://schemas.microsoft.com/office/powerpoint/2010/main" val="3678690072"/>
       </p:ext>
     </p:extLst>
   </p:cSld>
@@ -4536,547 +3931,6 @@
     <p:extLst>
       <p:ext uri="{BB962C8B-B14F-4D97-AF65-F5344CB8AC3E}">
         <p14:creationId xmlns:p14="http://schemas.microsoft.com/office/powerpoint/2010/main" val="2972525630"/>
-      </p:ext>
-    </p:extLst>
-  </p:cSld>
-  <p:clrMapOvr>
-    <a:masterClrMapping/>
-  </p:clrMapOvr>
-</p:sld>
-</file>
-
-<file path=ppt/slides/slide20.xml><?xml version="1.0" encoding="utf-8"?>
-<p:sld xmlns:a="http://schemas.openxmlformats.org/drawingml/2006/main" xmlns:r="http://schemas.openxmlformats.org/officeDocument/2006/relationships" xmlns:p="http://schemas.openxmlformats.org/presentationml/2006/main">
-  <p:cSld>
-    <p:spTree>
-      <p:nvGrpSpPr>
-        <p:cNvPr id="1" name=""/>
-        <p:cNvGrpSpPr/>
-        <p:nvPr/>
-      </p:nvGrpSpPr>
-      <p:grpSpPr>
-        <a:xfrm>
-          <a:off x="0" y="0"/>
-          <a:ext cx="0" cy="0"/>
-          <a:chOff x="0" y="0"/>
-          <a:chExt cx="0" cy="0"/>
-        </a:xfrm>
-      </p:grpSpPr>
-      <p:sp>
-        <p:nvSpPr>
-          <p:cNvPr id="2" name="Title 1">
-            <a:extLst>
-              <a:ext uri="{FF2B5EF4-FFF2-40B4-BE49-F238E27FC236}">
-                <a16:creationId xmlns:a16="http://schemas.microsoft.com/office/drawing/2014/main" id="{FF3F76FC-6275-64C7-1F0C-CFA0AAAA50AC}"/>
-              </a:ext>
-            </a:extLst>
-          </p:cNvPr>
-          <p:cNvSpPr>
-            <a:spLocks noGrp="1"/>
-          </p:cNvSpPr>
-          <p:nvPr>
-            <p:ph type="title"/>
-          </p:nvPr>
-        </p:nvSpPr>
-        <p:spPr/>
-        <p:txBody>
-          <a:bodyPr/>
-          <a:lstStyle/>
-          <a:p>
-            <a:endParaRPr lang="en-US"/>
-          </a:p>
-        </p:txBody>
-      </p:sp>
-      <p:sp>
-        <p:nvSpPr>
-          <p:cNvPr id="3" name="Content Placeholder 2">
-            <a:extLst>
-              <a:ext uri="{FF2B5EF4-FFF2-40B4-BE49-F238E27FC236}">
-                <a16:creationId xmlns:a16="http://schemas.microsoft.com/office/drawing/2014/main" id="{EE98576C-1F26-E6AB-7F06-B07961163F8C}"/>
-              </a:ext>
-            </a:extLst>
-          </p:cNvPr>
-          <p:cNvSpPr>
-            <a:spLocks noGrp="1"/>
-          </p:cNvSpPr>
-          <p:nvPr>
-            <p:ph idx="1"/>
-          </p:nvPr>
-        </p:nvSpPr>
-        <p:spPr/>
-        <p:txBody>
-          <a:bodyPr/>
-          <a:lstStyle/>
-          <a:p>
-            <a:pPr marL="0" indent="0">
-              <a:buNone/>
-            </a:pPr>
-            <a:r>
-              <a:rPr lang="en-US" dirty="0"/>
-              <a:t>&lt;html&gt;</a:t>
-            </a:r>
-          </a:p>
-          <a:p>
-            <a:pPr marL="0" indent="0">
-              <a:buNone/>
-            </a:pPr>
-            <a:r>
-              <a:rPr lang="en-US" dirty="0"/>
-              <a:t>&lt;head&gt;</a:t>
-            </a:r>
-          </a:p>
-          <a:p>
-            <a:pPr marL="0" indent="0">
-              <a:buNone/>
-            </a:pPr>
-            <a:r>
-              <a:rPr lang="en-US" dirty="0"/>
-              <a:t>	&lt;title&gt;First Web Page&lt;/title&gt;</a:t>
-            </a:r>
-          </a:p>
-          <a:p>
-            <a:pPr marL="0" indent="0">
-              <a:buNone/>
-            </a:pPr>
-            <a:r>
-              <a:rPr lang="en-US" dirty="0"/>
-              <a:t>&lt;/head&gt;</a:t>
-            </a:r>
-          </a:p>
-          <a:p>
-            <a:pPr marL="0" indent="0">
-              <a:buNone/>
-            </a:pPr>
-            <a:r>
-              <a:rPr lang="en-US" dirty="0"/>
-              <a:t>&lt;body&gt;</a:t>
-            </a:r>
-          </a:p>
-          <a:p>
-            <a:pPr marL="0" indent="0">
-              <a:buNone/>
-            </a:pPr>
-            <a:r>
-              <a:rPr lang="en-US" dirty="0"/>
-              <a:t>Hello World</a:t>
-            </a:r>
-          </a:p>
-          <a:p>
-            <a:pPr marL="0" indent="0">
-              <a:buNone/>
-            </a:pPr>
-            <a:r>
-              <a:rPr lang="en-US" dirty="0"/>
-              <a:t>&lt;/body&gt;</a:t>
-            </a:r>
-          </a:p>
-          <a:p>
-            <a:pPr marL="0" indent="0">
-              <a:buNone/>
-            </a:pPr>
-            <a:r>
-              <a:rPr lang="en-US" dirty="0"/>
-              <a:t>&lt;/html&gt;</a:t>
-            </a:r>
-          </a:p>
-        </p:txBody>
-      </p:sp>
-    </p:spTree>
-    <p:extLst>
-      <p:ext uri="{BB962C8B-B14F-4D97-AF65-F5344CB8AC3E}">
-        <p14:creationId xmlns:p14="http://schemas.microsoft.com/office/powerpoint/2010/main" val="594109268"/>
-      </p:ext>
-    </p:extLst>
-  </p:cSld>
-  <p:clrMapOvr>
-    <a:masterClrMapping/>
-  </p:clrMapOvr>
-</p:sld>
-</file>
-
-<file path=ppt/slides/slide21.xml><?xml version="1.0" encoding="utf-8"?>
-<p:sld xmlns:a="http://schemas.openxmlformats.org/drawingml/2006/main" xmlns:r="http://schemas.openxmlformats.org/officeDocument/2006/relationships" xmlns:p="http://schemas.openxmlformats.org/presentationml/2006/main">
-  <p:cSld>
-    <p:spTree>
-      <p:nvGrpSpPr>
-        <p:cNvPr id="1" name=""/>
-        <p:cNvGrpSpPr/>
-        <p:nvPr/>
-      </p:nvGrpSpPr>
-      <p:grpSpPr>
-        <a:xfrm>
-          <a:off x="0" y="0"/>
-          <a:ext cx="0" cy="0"/>
-          <a:chOff x="0" y="0"/>
-          <a:chExt cx="0" cy="0"/>
-        </a:xfrm>
-      </p:grpSpPr>
-      <p:sp>
-        <p:nvSpPr>
-          <p:cNvPr id="2" name="Title 1">
-            <a:extLst>
-              <a:ext uri="{FF2B5EF4-FFF2-40B4-BE49-F238E27FC236}">
-                <a16:creationId xmlns:a16="http://schemas.microsoft.com/office/drawing/2014/main" id="{41B38362-903B-9E47-3FBD-A92AD0105187}"/>
-              </a:ext>
-            </a:extLst>
-          </p:cNvPr>
-          <p:cNvSpPr>
-            <a:spLocks noGrp="1"/>
-          </p:cNvSpPr>
-          <p:nvPr>
-            <p:ph type="title"/>
-          </p:nvPr>
-        </p:nvSpPr>
-        <p:spPr/>
-        <p:txBody>
-          <a:bodyPr/>
-          <a:lstStyle/>
-          <a:p>
-            <a:r>
-              <a:rPr lang="en-US" dirty="0"/>
-              <a:t>File Save</a:t>
-            </a:r>
-          </a:p>
-        </p:txBody>
-      </p:sp>
-      <p:sp>
-        <p:nvSpPr>
-          <p:cNvPr id="3" name="Content Placeholder 2">
-            <a:extLst>
-              <a:ext uri="{FF2B5EF4-FFF2-40B4-BE49-F238E27FC236}">
-                <a16:creationId xmlns:a16="http://schemas.microsoft.com/office/drawing/2014/main" id="{B3F2927E-8E48-0A32-733E-2EDFE2501A11}"/>
-              </a:ext>
-            </a:extLst>
-          </p:cNvPr>
-          <p:cNvSpPr>
-            <a:spLocks noGrp="1"/>
-          </p:cNvSpPr>
-          <p:nvPr>
-            <p:ph idx="1"/>
-          </p:nvPr>
-        </p:nvSpPr>
-        <p:spPr/>
-        <p:txBody>
-          <a:bodyPr/>
-          <a:lstStyle/>
-          <a:p>
-            <a:pPr marL="0" indent="0">
-              <a:buNone/>
-            </a:pPr>
-            <a:r>
-              <a:rPr lang="en-US" dirty="0"/>
-              <a:t>Filename.html</a:t>
-            </a:r>
-          </a:p>
-        </p:txBody>
-      </p:sp>
-    </p:spTree>
-    <p:extLst>
-      <p:ext uri="{BB962C8B-B14F-4D97-AF65-F5344CB8AC3E}">
-        <p14:creationId xmlns:p14="http://schemas.microsoft.com/office/powerpoint/2010/main" val="1204667233"/>
-      </p:ext>
-    </p:extLst>
-  </p:cSld>
-  <p:clrMapOvr>
-    <a:masterClrMapping/>
-  </p:clrMapOvr>
-</p:sld>
-</file>
-
-<file path=ppt/slides/slide22.xml><?xml version="1.0" encoding="utf-8"?>
-<p:sld xmlns:a="http://schemas.openxmlformats.org/drawingml/2006/main" xmlns:r="http://schemas.openxmlformats.org/officeDocument/2006/relationships" xmlns:p="http://schemas.openxmlformats.org/presentationml/2006/main">
-  <p:cSld>
-    <p:spTree>
-      <p:nvGrpSpPr>
-        <p:cNvPr id="1" name=""/>
-        <p:cNvGrpSpPr/>
-        <p:nvPr/>
-      </p:nvGrpSpPr>
-      <p:grpSpPr>
-        <a:xfrm>
-          <a:off x="0" y="0"/>
-          <a:ext cx="0" cy="0"/>
-          <a:chOff x="0" y="0"/>
-          <a:chExt cx="0" cy="0"/>
-        </a:xfrm>
-      </p:grpSpPr>
-      <p:sp>
-        <p:nvSpPr>
-          <p:cNvPr id="2" name="Title 1">
-            <a:extLst>
-              <a:ext uri="{FF2B5EF4-FFF2-40B4-BE49-F238E27FC236}">
-                <a16:creationId xmlns:a16="http://schemas.microsoft.com/office/drawing/2014/main" id="{AC66C65E-0382-5701-37A7-BD7836AA7DFB}"/>
-              </a:ext>
-            </a:extLst>
-          </p:cNvPr>
-          <p:cNvSpPr>
-            <a:spLocks noGrp="1"/>
-          </p:cNvSpPr>
-          <p:nvPr>
-            <p:ph type="title"/>
-          </p:nvPr>
-        </p:nvSpPr>
-        <p:spPr/>
-        <p:txBody>
-          <a:bodyPr/>
-          <a:lstStyle/>
-          <a:p>
-            <a:r>
-              <a:rPr lang="en-US" dirty="0"/>
-              <a:t>HTML Text Formatting</a:t>
-            </a:r>
-          </a:p>
-        </p:txBody>
-      </p:sp>
-      <p:sp>
-        <p:nvSpPr>
-          <p:cNvPr id="3" name="Content Placeholder 2">
-            <a:extLst>
-              <a:ext uri="{FF2B5EF4-FFF2-40B4-BE49-F238E27FC236}">
-                <a16:creationId xmlns:a16="http://schemas.microsoft.com/office/drawing/2014/main" id="{8D59BCB4-CC70-07D7-15A6-240EA07FC758}"/>
-              </a:ext>
-            </a:extLst>
-          </p:cNvPr>
-          <p:cNvSpPr>
-            <a:spLocks noGrp="1"/>
-          </p:cNvSpPr>
-          <p:nvPr>
-            <p:ph idx="1"/>
-          </p:nvPr>
-        </p:nvSpPr>
-        <p:spPr/>
-        <p:txBody>
-          <a:bodyPr/>
-          <a:lstStyle/>
-          <a:p>
-            <a:endParaRPr lang="en-US"/>
-          </a:p>
-        </p:txBody>
-      </p:sp>
-    </p:spTree>
-    <p:extLst>
-      <p:ext uri="{BB962C8B-B14F-4D97-AF65-F5344CB8AC3E}">
-        <p14:creationId xmlns:p14="http://schemas.microsoft.com/office/powerpoint/2010/main" val="904343636"/>
-      </p:ext>
-    </p:extLst>
-  </p:cSld>
-  <p:clrMapOvr>
-    <a:masterClrMapping/>
-  </p:clrMapOvr>
-</p:sld>
-</file>
-
-<file path=ppt/slides/slide23.xml><?xml version="1.0" encoding="utf-8"?>
-<p:sld xmlns:a="http://schemas.openxmlformats.org/drawingml/2006/main" xmlns:r="http://schemas.openxmlformats.org/officeDocument/2006/relationships" xmlns:p="http://schemas.openxmlformats.org/presentationml/2006/main">
-  <p:cSld>
-    <p:spTree>
-      <p:nvGrpSpPr>
-        <p:cNvPr id="1" name=""/>
-        <p:cNvGrpSpPr/>
-        <p:nvPr/>
-      </p:nvGrpSpPr>
-      <p:grpSpPr>
-        <a:xfrm>
-          <a:off x="0" y="0"/>
-          <a:ext cx="0" cy="0"/>
-          <a:chOff x="0" y="0"/>
-          <a:chExt cx="0" cy="0"/>
-        </a:xfrm>
-      </p:grpSpPr>
-      <p:sp>
-        <p:nvSpPr>
-          <p:cNvPr id="2" name="Title 1">
-            <a:extLst>
-              <a:ext uri="{FF2B5EF4-FFF2-40B4-BE49-F238E27FC236}">
-                <a16:creationId xmlns:a16="http://schemas.microsoft.com/office/drawing/2014/main" id="{414EBCEC-28CC-9611-4652-7C504F790D1A}"/>
-              </a:ext>
-            </a:extLst>
-          </p:cNvPr>
-          <p:cNvSpPr>
-            <a:spLocks noGrp="1"/>
-          </p:cNvSpPr>
-          <p:nvPr>
-            <p:ph type="title"/>
-          </p:nvPr>
-        </p:nvSpPr>
-        <p:spPr/>
-        <p:txBody>
-          <a:bodyPr/>
-          <a:lstStyle/>
-          <a:p>
-            <a:r>
-              <a:rPr lang="en-US" dirty="0"/>
-              <a:t>Text Formatting</a:t>
-            </a:r>
-          </a:p>
-        </p:txBody>
-      </p:sp>
-      <p:sp>
-        <p:nvSpPr>
-          <p:cNvPr id="3" name="Content Placeholder 2">
-            <a:extLst>
-              <a:ext uri="{FF2B5EF4-FFF2-40B4-BE49-F238E27FC236}">
-                <a16:creationId xmlns:a16="http://schemas.microsoft.com/office/drawing/2014/main" id="{137CD689-A3DA-2FF1-0E9B-897D539CB58F}"/>
-              </a:ext>
-            </a:extLst>
-          </p:cNvPr>
-          <p:cNvSpPr>
-            <a:spLocks noGrp="1"/>
-          </p:cNvSpPr>
-          <p:nvPr>
-            <p:ph idx="1"/>
-          </p:nvPr>
-        </p:nvSpPr>
-        <p:spPr/>
-        <p:txBody>
-          <a:bodyPr/>
-          <a:lstStyle/>
-          <a:p>
-            <a:r>
-              <a:rPr lang="en-US" dirty="0"/>
-              <a:t>Headings</a:t>
-            </a:r>
-          </a:p>
-          <a:p>
-            <a:r>
-              <a:rPr lang="en-US" dirty="0"/>
-              <a:t>Paragraphs</a:t>
-            </a:r>
-          </a:p>
-          <a:p>
-            <a:r>
-              <a:rPr lang="en-US" dirty="0"/>
-              <a:t>Bold</a:t>
-            </a:r>
-          </a:p>
-          <a:p>
-            <a:r>
-              <a:rPr lang="en-US" dirty="0"/>
-              <a:t>Italic</a:t>
-            </a:r>
-          </a:p>
-          <a:p>
-            <a:r>
-              <a:rPr lang="en-US" dirty="0"/>
-              <a:t>Underline</a:t>
-            </a:r>
-          </a:p>
-          <a:p>
-            <a:r>
-              <a:rPr lang="en-US" dirty="0"/>
-              <a:t>Strikethrough</a:t>
-            </a:r>
-          </a:p>
-        </p:txBody>
-      </p:sp>
-    </p:spTree>
-    <p:extLst>
-      <p:ext uri="{BB962C8B-B14F-4D97-AF65-F5344CB8AC3E}">
-        <p14:creationId xmlns:p14="http://schemas.microsoft.com/office/powerpoint/2010/main" val="3170515131"/>
-      </p:ext>
-    </p:extLst>
-  </p:cSld>
-  <p:clrMapOvr>
-    <a:masterClrMapping/>
-  </p:clrMapOvr>
-</p:sld>
-</file>
-
-<file path=ppt/slides/slide24.xml><?xml version="1.0" encoding="utf-8"?>
-<p:sld xmlns:a="http://schemas.openxmlformats.org/drawingml/2006/main" xmlns:r="http://schemas.openxmlformats.org/officeDocument/2006/relationships" xmlns:p="http://schemas.openxmlformats.org/presentationml/2006/main">
-  <p:cSld>
-    <p:spTree>
-      <p:nvGrpSpPr>
-        <p:cNvPr id="1" name=""/>
-        <p:cNvGrpSpPr/>
-        <p:nvPr/>
-      </p:nvGrpSpPr>
-      <p:grpSpPr>
-        <a:xfrm>
-          <a:off x="0" y="0"/>
-          <a:ext cx="0" cy="0"/>
-          <a:chOff x="0" y="0"/>
-          <a:chExt cx="0" cy="0"/>
-        </a:xfrm>
-      </p:grpSpPr>
-      <p:sp>
-        <p:nvSpPr>
-          <p:cNvPr id="2" name="Title 1">
-            <a:extLst>
-              <a:ext uri="{FF2B5EF4-FFF2-40B4-BE49-F238E27FC236}">
-                <a16:creationId xmlns:a16="http://schemas.microsoft.com/office/drawing/2014/main" id="{66EFEFBC-93D9-3B79-41D5-345CEC0CA45D}"/>
-              </a:ext>
-            </a:extLst>
-          </p:cNvPr>
-          <p:cNvSpPr>
-            <a:spLocks noGrp="1"/>
-          </p:cNvSpPr>
-          <p:nvPr>
-            <p:ph type="title"/>
-          </p:nvPr>
-        </p:nvSpPr>
-        <p:spPr/>
-        <p:txBody>
-          <a:bodyPr/>
-          <a:lstStyle/>
-          <a:p>
-            <a:r>
-              <a:rPr lang="en-US" dirty="0"/>
-              <a:t>Text Formatting</a:t>
-            </a:r>
-          </a:p>
-        </p:txBody>
-      </p:sp>
-      <p:sp>
-        <p:nvSpPr>
-          <p:cNvPr id="3" name="Content Placeholder 2">
-            <a:extLst>
-              <a:ext uri="{FF2B5EF4-FFF2-40B4-BE49-F238E27FC236}">
-                <a16:creationId xmlns:a16="http://schemas.microsoft.com/office/drawing/2014/main" id="{51291D71-9C97-9D2C-FC56-1C1D33DD84AF}"/>
-              </a:ext>
-            </a:extLst>
-          </p:cNvPr>
-          <p:cNvSpPr>
-            <a:spLocks noGrp="1"/>
-          </p:cNvSpPr>
-          <p:nvPr>
-            <p:ph idx="1"/>
-          </p:nvPr>
-        </p:nvSpPr>
-        <p:spPr/>
-        <p:txBody>
-          <a:bodyPr/>
-          <a:lstStyle/>
-          <a:p>
-            <a:r>
-              <a:rPr lang="en-US" dirty="0"/>
-              <a:t>Sub Script</a:t>
-            </a:r>
-          </a:p>
-          <a:p>
-            <a:r>
-              <a:rPr lang="en-US" dirty="0"/>
-              <a:t>Super Script</a:t>
-            </a:r>
-          </a:p>
-          <a:p>
-            <a:r>
-              <a:rPr lang="en-US" dirty="0"/>
-              <a:t>Break</a:t>
-            </a:r>
-          </a:p>
-          <a:p>
-            <a:r>
-              <a:rPr lang="en-US" dirty="0"/>
-              <a:t>Non-Breaking space</a:t>
-            </a:r>
-          </a:p>
-        </p:txBody>
-      </p:sp>
-    </p:spTree>
-    <p:extLst>
-      <p:ext uri="{BB962C8B-B14F-4D97-AF65-F5344CB8AC3E}">
-        <p14:creationId xmlns:p14="http://schemas.microsoft.com/office/powerpoint/2010/main" val="2279527462"/>
       </p:ext>
     </p:extLst>
   </p:cSld>
